--- a/Figs/Fig. 6.pptx
+++ b/Figs/Fig. 6.pptx
@@ -2,15 +2,15 @@
 <file path=ppt/presentation.xml><?xml version="1.0" encoding="utf-8"?>
 <p:presentation xmlns:a="http://schemas.openxmlformats.org/drawingml/2006/main" xmlns:r="http://schemas.openxmlformats.org/officeDocument/2006/relationships" xmlns:p="http://schemas.openxmlformats.org/presentationml/2006/main" saveSubsetFonts="1" autoCompressPictures="0">
   <p:sldMasterIdLst>
-    <p:sldMasterId id="2147483672" r:id="rId1"/>
+    <p:sldMasterId id="2147483696" r:id="rId1"/>
   </p:sldMasterIdLst>
   <p:notesMasterIdLst>
     <p:notesMasterId r:id="rId3"/>
   </p:notesMasterIdLst>
   <p:sldIdLst>
-    <p:sldId id="256" r:id="rId2"/>
+    <p:sldId id="257" r:id="rId2"/>
   </p:sldIdLst>
-  <p:sldSz cx="12192000" cy="6480175"/>
+  <p:sldSz cx="11160125" cy="6480175"/>
   <p:notesSz cx="6858000" cy="9144000"/>
   <p:defaultTextStyle>
     <a:defPPr>
@@ -197,7 +197,7 @@
           <a:p>
             <a:fld id="{5B90AFD6-D414-914E-91D9-BE399BF7E284}" type="datetimeFigureOut">
               <a:rPr lang="en-GB" smtClean="0"/>
-              <a:t>15/11/2022</a:t>
+              <a:t>16/11/2022</a:t>
             </a:fld>
             <a:endParaRPr lang="en-GB"/>
           </a:p>
@@ -215,8 +215,8 @@
         </p:nvSpPr>
         <p:spPr>
           <a:xfrm>
-            <a:off x="525463" y="1143000"/>
-            <a:ext cx="5807075" cy="3086100"/>
+            <a:off x="773113" y="1143000"/>
+            <a:ext cx="5311775" cy="3086100"/>
           </a:xfrm>
           <a:prstGeom prst="rect">
             <a:avLst/>
@@ -493,8 +493,8 @@
         </p:nvSpPr>
         <p:spPr>
           <a:xfrm>
-            <a:off x="525463" y="1143000"/>
-            <a:ext cx="5807075" cy="3086100"/>
+            <a:off x="773113" y="1143000"/>
+            <a:ext cx="5311775" cy="3086100"/>
           </a:xfrm>
         </p:spPr>
       </p:sp>
@@ -543,7 +543,7 @@
     </p:spTree>
     <p:extLst>
       <p:ext uri="{BB962C8B-B14F-4D97-AF65-F5344CB8AC3E}">
-        <p14:creationId xmlns:p14="http://schemas.microsoft.com/office/powerpoint/2010/main" val="764733747"/>
+        <p14:creationId xmlns:p14="http://schemas.microsoft.com/office/powerpoint/2010/main" val="1388486081"/>
       </p:ext>
     </p:extLst>
   </p:cSld>
@@ -582,15 +582,15 @@
         </p:nvSpPr>
         <p:spPr>
           <a:xfrm>
-            <a:off x="1524000" y="1060529"/>
-            <a:ext cx="9144000" cy="2256061"/>
+            <a:off x="1395016" y="1060529"/>
+            <a:ext cx="8370094" cy="2256061"/>
           </a:xfrm>
         </p:spPr>
         <p:txBody>
           <a:bodyPr anchor="b"/>
           <a:lstStyle>
             <a:lvl1pPr algn="ctr">
-              <a:defRPr sz="5669"/>
+              <a:defRPr sz="5492"/>
             </a:lvl1pPr>
           </a:lstStyle>
           <a:p>
@@ -614,8 +614,8 @@
         </p:nvSpPr>
         <p:spPr>
           <a:xfrm>
-            <a:off x="1524000" y="3403592"/>
-            <a:ext cx="9144000" cy="1564542"/>
+            <a:off x="1395016" y="3403592"/>
+            <a:ext cx="8370094" cy="1564542"/>
           </a:xfrm>
         </p:spPr>
         <p:txBody>
@@ -623,39 +623,39 @@
           <a:lstStyle>
             <a:lvl1pPr marL="0" indent="0" algn="ctr">
               <a:buNone/>
-              <a:defRPr sz="2268"/>
+              <a:defRPr sz="2197"/>
             </a:lvl1pPr>
-            <a:lvl2pPr marL="432008" indent="0" algn="ctr">
-              <a:buNone/>
-              <a:defRPr sz="1890"/>
+            <a:lvl2pPr marL="418521" indent="0" algn="ctr">
+              <a:buNone/>
+              <a:defRPr sz="1831"/>
             </a:lvl2pPr>
-            <a:lvl3pPr marL="864017" indent="0" algn="ctr">
-              <a:buNone/>
-              <a:defRPr sz="1701"/>
+            <a:lvl3pPr marL="837042" indent="0" algn="ctr">
+              <a:buNone/>
+              <a:defRPr sz="1648"/>
             </a:lvl3pPr>
-            <a:lvl4pPr marL="1296025" indent="0" algn="ctr">
-              <a:buNone/>
-              <a:defRPr sz="1512"/>
+            <a:lvl4pPr marL="1255563" indent="0" algn="ctr">
+              <a:buNone/>
+              <a:defRPr sz="1465"/>
             </a:lvl4pPr>
-            <a:lvl5pPr marL="1728033" indent="0" algn="ctr">
-              <a:buNone/>
-              <a:defRPr sz="1512"/>
+            <a:lvl5pPr marL="1674084" indent="0" algn="ctr">
+              <a:buNone/>
+              <a:defRPr sz="1465"/>
             </a:lvl5pPr>
-            <a:lvl6pPr marL="2160041" indent="0" algn="ctr">
-              <a:buNone/>
-              <a:defRPr sz="1512"/>
+            <a:lvl6pPr marL="2092604" indent="0" algn="ctr">
+              <a:buNone/>
+              <a:defRPr sz="1465"/>
             </a:lvl6pPr>
-            <a:lvl7pPr marL="2592050" indent="0" algn="ctr">
-              <a:buNone/>
-              <a:defRPr sz="1512"/>
+            <a:lvl7pPr marL="2511125" indent="0" algn="ctr">
+              <a:buNone/>
+              <a:defRPr sz="1465"/>
             </a:lvl7pPr>
-            <a:lvl8pPr marL="3024058" indent="0" algn="ctr">
-              <a:buNone/>
-              <a:defRPr sz="1512"/>
+            <a:lvl8pPr marL="2929646" indent="0" algn="ctr">
+              <a:buNone/>
+              <a:defRPr sz="1465"/>
             </a:lvl8pPr>
-            <a:lvl9pPr marL="3456066" indent="0" algn="ctr">
-              <a:buNone/>
-              <a:defRPr sz="1512"/>
+            <a:lvl9pPr marL="3348167" indent="0" algn="ctr">
+              <a:buNone/>
+              <a:defRPr sz="1465"/>
             </a:lvl9pPr>
           </a:lstStyle>
           <a:p>
@@ -684,7 +684,7 @@
           <a:p>
             <a:fld id="{D6E15244-DF10-C54C-80B4-2BA48BDAEEC4}" type="datetimeFigureOut">
               <a:rPr lang="en-GB" smtClean="0"/>
-              <a:t>15/11/2022</a:t>
+              <a:t>16/11/2022</a:t>
             </a:fld>
             <a:endParaRPr lang="en-GB"/>
           </a:p>
@@ -735,7 +735,7 @@
     </p:spTree>
     <p:extLst>
       <p:ext uri="{BB962C8B-B14F-4D97-AF65-F5344CB8AC3E}">
-        <p14:creationId xmlns:p14="http://schemas.microsoft.com/office/powerpoint/2010/main" val="2491313787"/>
+        <p14:creationId xmlns:p14="http://schemas.microsoft.com/office/powerpoint/2010/main" val="2082776832"/>
       </p:ext>
     </p:extLst>
   </p:cSld>
@@ -854,7 +854,7 @@
           <a:p>
             <a:fld id="{D6E15244-DF10-C54C-80B4-2BA48BDAEEC4}" type="datetimeFigureOut">
               <a:rPr lang="en-GB" smtClean="0"/>
-              <a:t>15/11/2022</a:t>
+              <a:t>16/11/2022</a:t>
             </a:fld>
             <a:endParaRPr lang="en-GB"/>
           </a:p>
@@ -905,7 +905,7 @@
     </p:spTree>
     <p:extLst>
       <p:ext uri="{BB962C8B-B14F-4D97-AF65-F5344CB8AC3E}">
-        <p14:creationId xmlns:p14="http://schemas.microsoft.com/office/powerpoint/2010/main" val="1388583872"/>
+        <p14:creationId xmlns:p14="http://schemas.microsoft.com/office/powerpoint/2010/main" val="2372215901"/>
       </p:ext>
     </p:extLst>
   </p:cSld>
@@ -944,8 +944,8 @@
         </p:nvSpPr>
         <p:spPr>
           <a:xfrm>
-            <a:off x="8724900" y="345009"/>
-            <a:ext cx="2628900" cy="5491649"/>
+            <a:off x="7986464" y="345009"/>
+            <a:ext cx="2406402" cy="5491649"/>
           </a:xfrm>
         </p:spPr>
         <p:txBody>
@@ -972,8 +972,8 @@
         </p:nvSpPr>
         <p:spPr>
           <a:xfrm>
-            <a:off x="838200" y="345009"/>
-            <a:ext cx="7734300" cy="5491649"/>
+            <a:off x="767259" y="345009"/>
+            <a:ext cx="7079704" cy="5491649"/>
           </a:xfrm>
         </p:spPr>
         <p:txBody>
@@ -1034,7 +1034,7 @@
           <a:p>
             <a:fld id="{D6E15244-DF10-C54C-80B4-2BA48BDAEEC4}" type="datetimeFigureOut">
               <a:rPr lang="en-GB" smtClean="0"/>
-              <a:t>15/11/2022</a:t>
+              <a:t>16/11/2022</a:t>
             </a:fld>
             <a:endParaRPr lang="en-GB"/>
           </a:p>
@@ -1085,7 +1085,7 @@
     </p:spTree>
     <p:extLst>
       <p:ext uri="{BB962C8B-B14F-4D97-AF65-F5344CB8AC3E}">
-        <p14:creationId xmlns:p14="http://schemas.microsoft.com/office/powerpoint/2010/main" val="2118663863"/>
+        <p14:creationId xmlns:p14="http://schemas.microsoft.com/office/powerpoint/2010/main" val="2673340771"/>
       </p:ext>
     </p:extLst>
   </p:cSld>
@@ -1204,7 +1204,7 @@
           <a:p>
             <a:fld id="{D6E15244-DF10-C54C-80B4-2BA48BDAEEC4}" type="datetimeFigureOut">
               <a:rPr lang="en-GB" smtClean="0"/>
-              <a:t>15/11/2022</a:t>
+              <a:t>16/11/2022</a:t>
             </a:fld>
             <a:endParaRPr lang="en-GB"/>
           </a:p>
@@ -1255,7 +1255,7 @@
     </p:spTree>
     <p:extLst>
       <p:ext uri="{BB962C8B-B14F-4D97-AF65-F5344CB8AC3E}">
-        <p14:creationId xmlns:p14="http://schemas.microsoft.com/office/powerpoint/2010/main" val="3493681859"/>
+        <p14:creationId xmlns:p14="http://schemas.microsoft.com/office/powerpoint/2010/main" val="1824768513"/>
       </p:ext>
     </p:extLst>
   </p:cSld>
@@ -1294,15 +1294,15 @@
         </p:nvSpPr>
         <p:spPr>
           <a:xfrm>
-            <a:off x="831850" y="1615545"/>
-            <a:ext cx="10515600" cy="2695572"/>
+            <a:off x="761446" y="1615545"/>
+            <a:ext cx="9625608" cy="2695572"/>
           </a:xfrm>
         </p:spPr>
         <p:txBody>
           <a:bodyPr anchor="b"/>
           <a:lstStyle>
             <a:lvl1pPr>
-              <a:defRPr sz="5669"/>
+              <a:defRPr sz="5492"/>
             </a:lvl1pPr>
           </a:lstStyle>
           <a:p>
@@ -1326,8 +1326,8 @@
         </p:nvSpPr>
         <p:spPr>
           <a:xfrm>
-            <a:off x="831850" y="4336618"/>
-            <a:ext cx="10515600" cy="1417538"/>
+            <a:off x="761446" y="4336618"/>
+            <a:ext cx="9625608" cy="1417538"/>
           </a:xfrm>
         </p:spPr>
         <p:txBody>
@@ -1335,7 +1335,7 @@
           <a:lstStyle>
             <a:lvl1pPr marL="0" indent="0">
               <a:buNone/>
-              <a:defRPr sz="2268">
+              <a:defRPr sz="2197">
                 <a:solidFill>
                   <a:schemeClr val="tx1">
                     <a:tint val="75000"/>
@@ -1343,9 +1343,9 @@
                 </a:solidFill>
               </a:defRPr>
             </a:lvl1pPr>
-            <a:lvl2pPr marL="432008" indent="0">
-              <a:buNone/>
-              <a:defRPr sz="1890">
+            <a:lvl2pPr marL="418521" indent="0">
+              <a:buNone/>
+              <a:defRPr sz="1831">
                 <a:solidFill>
                   <a:schemeClr val="tx1">
                     <a:tint val="75000"/>
@@ -1353,9 +1353,9 @@
                 </a:solidFill>
               </a:defRPr>
             </a:lvl2pPr>
-            <a:lvl3pPr marL="864017" indent="0">
-              <a:buNone/>
-              <a:defRPr sz="1701">
+            <a:lvl3pPr marL="837042" indent="0">
+              <a:buNone/>
+              <a:defRPr sz="1648">
                 <a:solidFill>
                   <a:schemeClr val="tx1">
                     <a:tint val="75000"/>
@@ -1363,9 +1363,9 @@
                 </a:solidFill>
               </a:defRPr>
             </a:lvl3pPr>
-            <a:lvl4pPr marL="1296025" indent="0">
-              <a:buNone/>
-              <a:defRPr sz="1512">
+            <a:lvl4pPr marL="1255563" indent="0">
+              <a:buNone/>
+              <a:defRPr sz="1465">
                 <a:solidFill>
                   <a:schemeClr val="tx1">
                     <a:tint val="75000"/>
@@ -1373,9 +1373,9 @@
                 </a:solidFill>
               </a:defRPr>
             </a:lvl4pPr>
-            <a:lvl5pPr marL="1728033" indent="0">
-              <a:buNone/>
-              <a:defRPr sz="1512">
+            <a:lvl5pPr marL="1674084" indent="0">
+              <a:buNone/>
+              <a:defRPr sz="1465">
                 <a:solidFill>
                   <a:schemeClr val="tx1">
                     <a:tint val="75000"/>
@@ -1383,9 +1383,9 @@
                 </a:solidFill>
               </a:defRPr>
             </a:lvl5pPr>
-            <a:lvl6pPr marL="2160041" indent="0">
-              <a:buNone/>
-              <a:defRPr sz="1512">
+            <a:lvl6pPr marL="2092604" indent="0">
+              <a:buNone/>
+              <a:defRPr sz="1465">
                 <a:solidFill>
                   <a:schemeClr val="tx1">
                     <a:tint val="75000"/>
@@ -1393,9 +1393,9 @@
                 </a:solidFill>
               </a:defRPr>
             </a:lvl6pPr>
-            <a:lvl7pPr marL="2592050" indent="0">
-              <a:buNone/>
-              <a:defRPr sz="1512">
+            <a:lvl7pPr marL="2511125" indent="0">
+              <a:buNone/>
+              <a:defRPr sz="1465">
                 <a:solidFill>
                   <a:schemeClr val="tx1">
                     <a:tint val="75000"/>
@@ -1403,9 +1403,9 @@
                 </a:solidFill>
               </a:defRPr>
             </a:lvl7pPr>
-            <a:lvl8pPr marL="3024058" indent="0">
-              <a:buNone/>
-              <a:defRPr sz="1512">
+            <a:lvl8pPr marL="2929646" indent="0">
+              <a:buNone/>
+              <a:defRPr sz="1465">
                 <a:solidFill>
                   <a:schemeClr val="tx1">
                     <a:tint val="75000"/>
@@ -1413,9 +1413,9 @@
                 </a:solidFill>
               </a:defRPr>
             </a:lvl8pPr>
-            <a:lvl9pPr marL="3456066" indent="0">
-              <a:buNone/>
-              <a:defRPr sz="1512">
+            <a:lvl9pPr marL="3348167" indent="0">
+              <a:buNone/>
+              <a:defRPr sz="1465">
                 <a:solidFill>
                   <a:schemeClr val="tx1">
                     <a:tint val="75000"/>
@@ -1450,7 +1450,7 @@
           <a:p>
             <a:fld id="{D6E15244-DF10-C54C-80B4-2BA48BDAEEC4}" type="datetimeFigureOut">
               <a:rPr lang="en-GB" smtClean="0"/>
-              <a:t>15/11/2022</a:t>
+              <a:t>16/11/2022</a:t>
             </a:fld>
             <a:endParaRPr lang="en-GB"/>
           </a:p>
@@ -1501,7 +1501,7 @@
     </p:spTree>
     <p:extLst>
       <p:ext uri="{BB962C8B-B14F-4D97-AF65-F5344CB8AC3E}">
-        <p14:creationId xmlns:p14="http://schemas.microsoft.com/office/powerpoint/2010/main" val="245936107"/>
+        <p14:creationId xmlns:p14="http://schemas.microsoft.com/office/powerpoint/2010/main" val="2099325717"/>
       </p:ext>
     </p:extLst>
   </p:cSld>
@@ -1563,8 +1563,8 @@
         </p:nvSpPr>
         <p:spPr>
           <a:xfrm>
-            <a:off x="838200" y="1725046"/>
-            <a:ext cx="5181600" cy="4111612"/>
+            <a:off x="767259" y="1725046"/>
+            <a:ext cx="4743053" cy="4111612"/>
           </a:xfrm>
         </p:spPr>
         <p:txBody>
@@ -1620,8 +1620,8 @@
         </p:nvSpPr>
         <p:spPr>
           <a:xfrm>
-            <a:off x="6172200" y="1725046"/>
-            <a:ext cx="5181600" cy="4111612"/>
+            <a:off x="5649813" y="1725046"/>
+            <a:ext cx="4743053" cy="4111612"/>
           </a:xfrm>
         </p:spPr>
         <p:txBody>
@@ -1682,7 +1682,7 @@
           <a:p>
             <a:fld id="{D6E15244-DF10-C54C-80B4-2BA48BDAEEC4}" type="datetimeFigureOut">
               <a:rPr lang="en-GB" smtClean="0"/>
-              <a:t>15/11/2022</a:t>
+              <a:t>16/11/2022</a:t>
             </a:fld>
             <a:endParaRPr lang="en-GB"/>
           </a:p>
@@ -1733,7 +1733,7 @@
     </p:spTree>
     <p:extLst>
       <p:ext uri="{BB962C8B-B14F-4D97-AF65-F5344CB8AC3E}">
-        <p14:creationId xmlns:p14="http://schemas.microsoft.com/office/powerpoint/2010/main" val="2386244182"/>
+        <p14:creationId xmlns:p14="http://schemas.microsoft.com/office/powerpoint/2010/main" val="4215666309"/>
       </p:ext>
     </p:extLst>
   </p:cSld>
@@ -1772,8 +1772,8 @@
         </p:nvSpPr>
         <p:spPr>
           <a:xfrm>
-            <a:off x="839788" y="345010"/>
-            <a:ext cx="10515600" cy="1252534"/>
+            <a:off x="768712" y="345010"/>
+            <a:ext cx="9625608" cy="1252534"/>
           </a:xfrm>
         </p:spPr>
         <p:txBody>
@@ -1800,8 +1800,8 @@
         </p:nvSpPr>
         <p:spPr>
           <a:xfrm>
-            <a:off x="839789" y="1588543"/>
-            <a:ext cx="5157787" cy="778521"/>
+            <a:off x="768712" y="1588543"/>
+            <a:ext cx="4721256" cy="778521"/>
           </a:xfrm>
         </p:spPr>
         <p:txBody>
@@ -1809,39 +1809,39 @@
           <a:lstStyle>
             <a:lvl1pPr marL="0" indent="0">
               <a:buNone/>
-              <a:defRPr sz="2268" b="1"/>
+              <a:defRPr sz="2197" b="1"/>
             </a:lvl1pPr>
-            <a:lvl2pPr marL="432008" indent="0">
-              <a:buNone/>
-              <a:defRPr sz="1890" b="1"/>
+            <a:lvl2pPr marL="418521" indent="0">
+              <a:buNone/>
+              <a:defRPr sz="1831" b="1"/>
             </a:lvl2pPr>
-            <a:lvl3pPr marL="864017" indent="0">
-              <a:buNone/>
-              <a:defRPr sz="1701" b="1"/>
+            <a:lvl3pPr marL="837042" indent="0">
+              <a:buNone/>
+              <a:defRPr sz="1648" b="1"/>
             </a:lvl3pPr>
-            <a:lvl4pPr marL="1296025" indent="0">
-              <a:buNone/>
-              <a:defRPr sz="1512" b="1"/>
+            <a:lvl4pPr marL="1255563" indent="0">
+              <a:buNone/>
+              <a:defRPr sz="1465" b="1"/>
             </a:lvl4pPr>
-            <a:lvl5pPr marL="1728033" indent="0">
-              <a:buNone/>
-              <a:defRPr sz="1512" b="1"/>
+            <a:lvl5pPr marL="1674084" indent="0">
+              <a:buNone/>
+              <a:defRPr sz="1465" b="1"/>
             </a:lvl5pPr>
-            <a:lvl6pPr marL="2160041" indent="0">
-              <a:buNone/>
-              <a:defRPr sz="1512" b="1"/>
+            <a:lvl6pPr marL="2092604" indent="0">
+              <a:buNone/>
+              <a:defRPr sz="1465" b="1"/>
             </a:lvl6pPr>
-            <a:lvl7pPr marL="2592050" indent="0">
-              <a:buNone/>
-              <a:defRPr sz="1512" b="1"/>
+            <a:lvl7pPr marL="2511125" indent="0">
+              <a:buNone/>
+              <a:defRPr sz="1465" b="1"/>
             </a:lvl7pPr>
-            <a:lvl8pPr marL="3024058" indent="0">
-              <a:buNone/>
-              <a:defRPr sz="1512" b="1"/>
+            <a:lvl8pPr marL="2929646" indent="0">
+              <a:buNone/>
+              <a:defRPr sz="1465" b="1"/>
             </a:lvl8pPr>
-            <a:lvl9pPr marL="3456066" indent="0">
-              <a:buNone/>
-              <a:defRPr sz="1512" b="1"/>
+            <a:lvl9pPr marL="3348167" indent="0">
+              <a:buNone/>
+              <a:defRPr sz="1465" b="1"/>
             </a:lvl9pPr>
           </a:lstStyle>
           <a:p>
@@ -1865,8 +1865,8 @@
         </p:nvSpPr>
         <p:spPr>
           <a:xfrm>
-            <a:off x="839789" y="2367064"/>
-            <a:ext cx="5157787" cy="3481594"/>
+            <a:off x="768712" y="2367064"/>
+            <a:ext cx="4721256" cy="3481594"/>
           </a:xfrm>
         </p:spPr>
         <p:txBody>
@@ -1922,8 +1922,8 @@
         </p:nvSpPr>
         <p:spPr>
           <a:xfrm>
-            <a:off x="6172200" y="1588543"/>
-            <a:ext cx="5183188" cy="778521"/>
+            <a:off x="5649813" y="1588543"/>
+            <a:ext cx="4744507" cy="778521"/>
           </a:xfrm>
         </p:spPr>
         <p:txBody>
@@ -1931,39 +1931,39 @@
           <a:lstStyle>
             <a:lvl1pPr marL="0" indent="0">
               <a:buNone/>
-              <a:defRPr sz="2268" b="1"/>
+              <a:defRPr sz="2197" b="1"/>
             </a:lvl1pPr>
-            <a:lvl2pPr marL="432008" indent="0">
-              <a:buNone/>
-              <a:defRPr sz="1890" b="1"/>
+            <a:lvl2pPr marL="418521" indent="0">
+              <a:buNone/>
+              <a:defRPr sz="1831" b="1"/>
             </a:lvl2pPr>
-            <a:lvl3pPr marL="864017" indent="0">
-              <a:buNone/>
-              <a:defRPr sz="1701" b="1"/>
+            <a:lvl3pPr marL="837042" indent="0">
+              <a:buNone/>
+              <a:defRPr sz="1648" b="1"/>
             </a:lvl3pPr>
-            <a:lvl4pPr marL="1296025" indent="0">
-              <a:buNone/>
-              <a:defRPr sz="1512" b="1"/>
+            <a:lvl4pPr marL="1255563" indent="0">
+              <a:buNone/>
+              <a:defRPr sz="1465" b="1"/>
             </a:lvl4pPr>
-            <a:lvl5pPr marL="1728033" indent="0">
-              <a:buNone/>
-              <a:defRPr sz="1512" b="1"/>
+            <a:lvl5pPr marL="1674084" indent="0">
+              <a:buNone/>
+              <a:defRPr sz="1465" b="1"/>
             </a:lvl5pPr>
-            <a:lvl6pPr marL="2160041" indent="0">
-              <a:buNone/>
-              <a:defRPr sz="1512" b="1"/>
+            <a:lvl6pPr marL="2092604" indent="0">
+              <a:buNone/>
+              <a:defRPr sz="1465" b="1"/>
             </a:lvl6pPr>
-            <a:lvl7pPr marL="2592050" indent="0">
-              <a:buNone/>
-              <a:defRPr sz="1512" b="1"/>
+            <a:lvl7pPr marL="2511125" indent="0">
+              <a:buNone/>
+              <a:defRPr sz="1465" b="1"/>
             </a:lvl7pPr>
-            <a:lvl8pPr marL="3024058" indent="0">
-              <a:buNone/>
-              <a:defRPr sz="1512" b="1"/>
+            <a:lvl8pPr marL="2929646" indent="0">
+              <a:buNone/>
+              <a:defRPr sz="1465" b="1"/>
             </a:lvl8pPr>
-            <a:lvl9pPr marL="3456066" indent="0">
-              <a:buNone/>
-              <a:defRPr sz="1512" b="1"/>
+            <a:lvl9pPr marL="3348167" indent="0">
+              <a:buNone/>
+              <a:defRPr sz="1465" b="1"/>
             </a:lvl9pPr>
           </a:lstStyle>
           <a:p>
@@ -1987,8 +1987,8 @@
         </p:nvSpPr>
         <p:spPr>
           <a:xfrm>
-            <a:off x="6172200" y="2367064"/>
-            <a:ext cx="5183188" cy="3481594"/>
+            <a:off x="5649813" y="2367064"/>
+            <a:ext cx="4744507" cy="3481594"/>
           </a:xfrm>
         </p:spPr>
         <p:txBody>
@@ -2049,7 +2049,7 @@
           <a:p>
             <a:fld id="{D6E15244-DF10-C54C-80B4-2BA48BDAEEC4}" type="datetimeFigureOut">
               <a:rPr lang="en-GB" smtClean="0"/>
-              <a:t>15/11/2022</a:t>
+              <a:t>16/11/2022</a:t>
             </a:fld>
             <a:endParaRPr lang="en-GB"/>
           </a:p>
@@ -2100,7 +2100,7 @@
     </p:spTree>
     <p:extLst>
       <p:ext uri="{BB962C8B-B14F-4D97-AF65-F5344CB8AC3E}">
-        <p14:creationId xmlns:p14="http://schemas.microsoft.com/office/powerpoint/2010/main" val="2010709643"/>
+        <p14:creationId xmlns:p14="http://schemas.microsoft.com/office/powerpoint/2010/main" val="1777188133"/>
       </p:ext>
     </p:extLst>
   </p:cSld>
@@ -2167,7 +2167,7 @@
           <a:p>
             <a:fld id="{D6E15244-DF10-C54C-80B4-2BA48BDAEEC4}" type="datetimeFigureOut">
               <a:rPr lang="en-GB" smtClean="0"/>
-              <a:t>15/11/2022</a:t>
+              <a:t>16/11/2022</a:t>
             </a:fld>
             <a:endParaRPr lang="en-GB"/>
           </a:p>
@@ -2218,7 +2218,7 @@
     </p:spTree>
     <p:extLst>
       <p:ext uri="{BB962C8B-B14F-4D97-AF65-F5344CB8AC3E}">
-        <p14:creationId xmlns:p14="http://schemas.microsoft.com/office/powerpoint/2010/main" val="3655625718"/>
+        <p14:creationId xmlns:p14="http://schemas.microsoft.com/office/powerpoint/2010/main" val="2662982813"/>
       </p:ext>
     </p:extLst>
   </p:cSld>
@@ -2262,7 +2262,7 @@
           <a:p>
             <a:fld id="{D6E15244-DF10-C54C-80B4-2BA48BDAEEC4}" type="datetimeFigureOut">
               <a:rPr lang="en-GB" smtClean="0"/>
-              <a:t>15/11/2022</a:t>
+              <a:t>16/11/2022</a:t>
             </a:fld>
             <a:endParaRPr lang="en-GB"/>
           </a:p>
@@ -2313,7 +2313,7 @@
     </p:spTree>
     <p:extLst>
       <p:ext uri="{BB962C8B-B14F-4D97-AF65-F5344CB8AC3E}">
-        <p14:creationId xmlns:p14="http://schemas.microsoft.com/office/powerpoint/2010/main" val="3844163294"/>
+        <p14:creationId xmlns:p14="http://schemas.microsoft.com/office/powerpoint/2010/main" val="3554861484"/>
       </p:ext>
     </p:extLst>
   </p:cSld>
@@ -2352,15 +2352,15 @@
         </p:nvSpPr>
         <p:spPr>
           <a:xfrm>
-            <a:off x="839789" y="432012"/>
-            <a:ext cx="3932237" cy="1512041"/>
+            <a:off x="768713" y="432012"/>
+            <a:ext cx="3599430" cy="1512041"/>
           </a:xfrm>
         </p:spPr>
         <p:txBody>
           <a:bodyPr anchor="b"/>
           <a:lstStyle>
             <a:lvl1pPr>
-              <a:defRPr sz="3024"/>
+              <a:defRPr sz="2929"/>
             </a:lvl1pPr>
           </a:lstStyle>
           <a:p>
@@ -2384,39 +2384,39 @@
         </p:nvSpPr>
         <p:spPr>
           <a:xfrm>
-            <a:off x="5183188" y="933026"/>
-            <a:ext cx="6172200" cy="4605124"/>
+            <a:off x="4744507" y="933026"/>
+            <a:ext cx="5649813" cy="4605124"/>
           </a:xfrm>
         </p:spPr>
         <p:txBody>
           <a:bodyPr/>
           <a:lstStyle>
             <a:lvl1pPr>
-              <a:defRPr sz="3024"/>
+              <a:defRPr sz="2929"/>
             </a:lvl1pPr>
             <a:lvl2pPr>
-              <a:defRPr sz="2646"/>
+              <a:defRPr sz="2563"/>
             </a:lvl2pPr>
             <a:lvl3pPr>
-              <a:defRPr sz="2268"/>
+              <a:defRPr sz="2197"/>
             </a:lvl3pPr>
             <a:lvl4pPr>
-              <a:defRPr sz="1890"/>
+              <a:defRPr sz="1831"/>
             </a:lvl4pPr>
             <a:lvl5pPr>
-              <a:defRPr sz="1890"/>
+              <a:defRPr sz="1831"/>
             </a:lvl5pPr>
             <a:lvl6pPr>
-              <a:defRPr sz="1890"/>
+              <a:defRPr sz="1831"/>
             </a:lvl6pPr>
             <a:lvl7pPr>
-              <a:defRPr sz="1890"/>
+              <a:defRPr sz="1831"/>
             </a:lvl7pPr>
             <a:lvl8pPr>
-              <a:defRPr sz="1890"/>
+              <a:defRPr sz="1831"/>
             </a:lvl8pPr>
             <a:lvl9pPr>
-              <a:defRPr sz="1890"/>
+              <a:defRPr sz="1831"/>
             </a:lvl9pPr>
           </a:lstStyle>
           <a:p>
@@ -2469,8 +2469,8 @@
         </p:nvSpPr>
         <p:spPr>
           <a:xfrm>
-            <a:off x="839789" y="1944052"/>
-            <a:ext cx="3932237" cy="3601598"/>
+            <a:off x="768713" y="1944052"/>
+            <a:ext cx="3599430" cy="3601598"/>
           </a:xfrm>
         </p:spPr>
         <p:txBody>
@@ -2478,39 +2478,39 @@
           <a:lstStyle>
             <a:lvl1pPr marL="0" indent="0">
               <a:buNone/>
-              <a:defRPr sz="1512"/>
+              <a:defRPr sz="1465"/>
             </a:lvl1pPr>
-            <a:lvl2pPr marL="432008" indent="0">
-              <a:buNone/>
-              <a:defRPr sz="1323"/>
+            <a:lvl2pPr marL="418521" indent="0">
+              <a:buNone/>
+              <a:defRPr sz="1282"/>
             </a:lvl2pPr>
-            <a:lvl3pPr marL="864017" indent="0">
-              <a:buNone/>
-              <a:defRPr sz="1134"/>
+            <a:lvl3pPr marL="837042" indent="0">
+              <a:buNone/>
+              <a:defRPr sz="1098"/>
             </a:lvl3pPr>
-            <a:lvl4pPr marL="1296025" indent="0">
-              <a:buNone/>
-              <a:defRPr sz="945"/>
+            <a:lvl4pPr marL="1255563" indent="0">
+              <a:buNone/>
+              <a:defRPr sz="915"/>
             </a:lvl4pPr>
-            <a:lvl5pPr marL="1728033" indent="0">
-              <a:buNone/>
-              <a:defRPr sz="945"/>
+            <a:lvl5pPr marL="1674084" indent="0">
+              <a:buNone/>
+              <a:defRPr sz="915"/>
             </a:lvl5pPr>
-            <a:lvl6pPr marL="2160041" indent="0">
-              <a:buNone/>
-              <a:defRPr sz="945"/>
+            <a:lvl6pPr marL="2092604" indent="0">
+              <a:buNone/>
+              <a:defRPr sz="915"/>
             </a:lvl6pPr>
-            <a:lvl7pPr marL="2592050" indent="0">
-              <a:buNone/>
-              <a:defRPr sz="945"/>
+            <a:lvl7pPr marL="2511125" indent="0">
+              <a:buNone/>
+              <a:defRPr sz="915"/>
             </a:lvl7pPr>
-            <a:lvl8pPr marL="3024058" indent="0">
-              <a:buNone/>
-              <a:defRPr sz="945"/>
+            <a:lvl8pPr marL="2929646" indent="0">
+              <a:buNone/>
+              <a:defRPr sz="915"/>
             </a:lvl8pPr>
-            <a:lvl9pPr marL="3456066" indent="0">
-              <a:buNone/>
-              <a:defRPr sz="945"/>
+            <a:lvl9pPr marL="3348167" indent="0">
+              <a:buNone/>
+              <a:defRPr sz="915"/>
             </a:lvl9pPr>
           </a:lstStyle>
           <a:p>
@@ -2539,7 +2539,7 @@
           <a:p>
             <a:fld id="{D6E15244-DF10-C54C-80B4-2BA48BDAEEC4}" type="datetimeFigureOut">
               <a:rPr lang="en-GB" smtClean="0"/>
-              <a:t>15/11/2022</a:t>
+              <a:t>16/11/2022</a:t>
             </a:fld>
             <a:endParaRPr lang="en-GB"/>
           </a:p>
@@ -2590,7 +2590,7 @@
     </p:spTree>
     <p:extLst>
       <p:ext uri="{BB962C8B-B14F-4D97-AF65-F5344CB8AC3E}">
-        <p14:creationId xmlns:p14="http://schemas.microsoft.com/office/powerpoint/2010/main" val="2111920047"/>
+        <p14:creationId xmlns:p14="http://schemas.microsoft.com/office/powerpoint/2010/main" val="2714823969"/>
       </p:ext>
     </p:extLst>
   </p:cSld>
@@ -2629,15 +2629,15 @@
         </p:nvSpPr>
         <p:spPr>
           <a:xfrm>
-            <a:off x="839789" y="432012"/>
-            <a:ext cx="3932237" cy="1512041"/>
+            <a:off x="768713" y="432012"/>
+            <a:ext cx="3599430" cy="1512041"/>
           </a:xfrm>
         </p:spPr>
         <p:txBody>
           <a:bodyPr anchor="b"/>
           <a:lstStyle>
             <a:lvl1pPr>
-              <a:defRPr sz="3024"/>
+              <a:defRPr sz="2929"/>
             </a:lvl1pPr>
           </a:lstStyle>
           <a:p>
@@ -2661,8 +2661,8 @@
         </p:nvSpPr>
         <p:spPr>
           <a:xfrm>
-            <a:off x="5183188" y="933026"/>
-            <a:ext cx="6172200" cy="4605124"/>
+            <a:off x="4744507" y="933026"/>
+            <a:ext cx="5649813" cy="4605124"/>
           </a:xfrm>
         </p:spPr>
         <p:txBody>
@@ -2670,39 +2670,39 @@
           <a:lstStyle>
             <a:lvl1pPr marL="0" indent="0">
               <a:buNone/>
-              <a:defRPr sz="3024"/>
+              <a:defRPr sz="2929"/>
             </a:lvl1pPr>
-            <a:lvl2pPr marL="432008" indent="0">
-              <a:buNone/>
-              <a:defRPr sz="2646"/>
+            <a:lvl2pPr marL="418521" indent="0">
+              <a:buNone/>
+              <a:defRPr sz="2563"/>
             </a:lvl2pPr>
-            <a:lvl3pPr marL="864017" indent="0">
-              <a:buNone/>
-              <a:defRPr sz="2268"/>
+            <a:lvl3pPr marL="837042" indent="0">
+              <a:buNone/>
+              <a:defRPr sz="2197"/>
             </a:lvl3pPr>
-            <a:lvl4pPr marL="1296025" indent="0">
-              <a:buNone/>
-              <a:defRPr sz="1890"/>
+            <a:lvl4pPr marL="1255563" indent="0">
+              <a:buNone/>
+              <a:defRPr sz="1831"/>
             </a:lvl4pPr>
-            <a:lvl5pPr marL="1728033" indent="0">
-              <a:buNone/>
-              <a:defRPr sz="1890"/>
+            <a:lvl5pPr marL="1674084" indent="0">
+              <a:buNone/>
+              <a:defRPr sz="1831"/>
             </a:lvl5pPr>
-            <a:lvl6pPr marL="2160041" indent="0">
-              <a:buNone/>
-              <a:defRPr sz="1890"/>
+            <a:lvl6pPr marL="2092604" indent="0">
+              <a:buNone/>
+              <a:defRPr sz="1831"/>
             </a:lvl6pPr>
-            <a:lvl7pPr marL="2592050" indent="0">
-              <a:buNone/>
-              <a:defRPr sz="1890"/>
+            <a:lvl7pPr marL="2511125" indent="0">
+              <a:buNone/>
+              <a:defRPr sz="1831"/>
             </a:lvl7pPr>
-            <a:lvl8pPr marL="3024058" indent="0">
-              <a:buNone/>
-              <a:defRPr sz="1890"/>
+            <a:lvl8pPr marL="2929646" indent="0">
+              <a:buNone/>
+              <a:defRPr sz="1831"/>
             </a:lvl8pPr>
-            <a:lvl9pPr marL="3456066" indent="0">
-              <a:buNone/>
-              <a:defRPr sz="1890"/>
+            <a:lvl9pPr marL="3348167" indent="0">
+              <a:buNone/>
+              <a:defRPr sz="1831"/>
             </a:lvl9pPr>
           </a:lstStyle>
           <a:p>
@@ -2726,8 +2726,8 @@
         </p:nvSpPr>
         <p:spPr>
           <a:xfrm>
-            <a:off x="839789" y="1944052"/>
-            <a:ext cx="3932237" cy="3601598"/>
+            <a:off x="768713" y="1944052"/>
+            <a:ext cx="3599430" cy="3601598"/>
           </a:xfrm>
         </p:spPr>
         <p:txBody>
@@ -2735,39 +2735,39 @@
           <a:lstStyle>
             <a:lvl1pPr marL="0" indent="0">
               <a:buNone/>
-              <a:defRPr sz="1512"/>
+              <a:defRPr sz="1465"/>
             </a:lvl1pPr>
-            <a:lvl2pPr marL="432008" indent="0">
-              <a:buNone/>
-              <a:defRPr sz="1323"/>
+            <a:lvl2pPr marL="418521" indent="0">
+              <a:buNone/>
+              <a:defRPr sz="1282"/>
             </a:lvl2pPr>
-            <a:lvl3pPr marL="864017" indent="0">
-              <a:buNone/>
-              <a:defRPr sz="1134"/>
+            <a:lvl3pPr marL="837042" indent="0">
+              <a:buNone/>
+              <a:defRPr sz="1098"/>
             </a:lvl3pPr>
-            <a:lvl4pPr marL="1296025" indent="0">
-              <a:buNone/>
-              <a:defRPr sz="945"/>
+            <a:lvl4pPr marL="1255563" indent="0">
+              <a:buNone/>
+              <a:defRPr sz="915"/>
             </a:lvl4pPr>
-            <a:lvl5pPr marL="1728033" indent="0">
-              <a:buNone/>
-              <a:defRPr sz="945"/>
+            <a:lvl5pPr marL="1674084" indent="0">
+              <a:buNone/>
+              <a:defRPr sz="915"/>
             </a:lvl5pPr>
-            <a:lvl6pPr marL="2160041" indent="0">
-              <a:buNone/>
-              <a:defRPr sz="945"/>
+            <a:lvl6pPr marL="2092604" indent="0">
+              <a:buNone/>
+              <a:defRPr sz="915"/>
             </a:lvl6pPr>
-            <a:lvl7pPr marL="2592050" indent="0">
-              <a:buNone/>
-              <a:defRPr sz="945"/>
+            <a:lvl7pPr marL="2511125" indent="0">
+              <a:buNone/>
+              <a:defRPr sz="915"/>
             </a:lvl7pPr>
-            <a:lvl8pPr marL="3024058" indent="0">
-              <a:buNone/>
-              <a:defRPr sz="945"/>
+            <a:lvl8pPr marL="2929646" indent="0">
+              <a:buNone/>
+              <a:defRPr sz="915"/>
             </a:lvl8pPr>
-            <a:lvl9pPr marL="3456066" indent="0">
-              <a:buNone/>
-              <a:defRPr sz="945"/>
+            <a:lvl9pPr marL="3348167" indent="0">
+              <a:buNone/>
+              <a:defRPr sz="915"/>
             </a:lvl9pPr>
           </a:lstStyle>
           <a:p>
@@ -2796,7 +2796,7 @@
           <a:p>
             <a:fld id="{D6E15244-DF10-C54C-80B4-2BA48BDAEEC4}" type="datetimeFigureOut">
               <a:rPr lang="en-GB" smtClean="0"/>
-              <a:t>15/11/2022</a:t>
+              <a:t>16/11/2022</a:t>
             </a:fld>
             <a:endParaRPr lang="en-GB"/>
           </a:p>
@@ -2847,7 +2847,7 @@
     </p:spTree>
     <p:extLst>
       <p:ext uri="{BB962C8B-B14F-4D97-AF65-F5344CB8AC3E}">
-        <p14:creationId xmlns:p14="http://schemas.microsoft.com/office/powerpoint/2010/main" val="152624893"/>
+        <p14:creationId xmlns:p14="http://schemas.microsoft.com/office/powerpoint/2010/main" val="1761465693"/>
       </p:ext>
     </p:extLst>
   </p:cSld>
@@ -2891,8 +2891,8 @@
         </p:nvSpPr>
         <p:spPr>
           <a:xfrm>
-            <a:off x="838200" y="345010"/>
-            <a:ext cx="10515600" cy="1252534"/>
+            <a:off x="767259" y="345010"/>
+            <a:ext cx="9625608" cy="1252534"/>
           </a:xfrm>
           <a:prstGeom prst="rect">
             <a:avLst/>
@@ -2924,8 +2924,8 @@
         </p:nvSpPr>
         <p:spPr>
           <a:xfrm>
-            <a:off x="838200" y="1725046"/>
-            <a:ext cx="10515600" cy="4111612"/>
+            <a:off x="767259" y="1725046"/>
+            <a:ext cx="9625608" cy="4111612"/>
           </a:xfrm>
           <a:prstGeom prst="rect">
             <a:avLst/>
@@ -2986,8 +2986,8 @@
         </p:nvSpPr>
         <p:spPr>
           <a:xfrm>
-            <a:off x="838200" y="6006163"/>
-            <a:ext cx="2743200" cy="345009"/>
+            <a:off x="767259" y="6006163"/>
+            <a:ext cx="2511028" cy="345009"/>
           </a:xfrm>
           <a:prstGeom prst="rect">
             <a:avLst/>
@@ -2997,7 +2997,7 @@
           <a:bodyPr vert="horz" lIns="91440" tIns="45720" rIns="91440" bIns="45720" rtlCol="0" anchor="ctr"/>
           <a:lstStyle>
             <a:lvl1pPr algn="l">
-              <a:defRPr sz="1134">
+              <a:defRPr sz="1098">
                 <a:solidFill>
                   <a:schemeClr val="tx1">
                     <a:tint val="75000"/>
@@ -3009,7 +3009,7 @@
           <a:p>
             <a:fld id="{D6E15244-DF10-C54C-80B4-2BA48BDAEEC4}" type="datetimeFigureOut">
               <a:rPr lang="en-GB" smtClean="0"/>
-              <a:t>15/11/2022</a:t>
+              <a:t>16/11/2022</a:t>
             </a:fld>
             <a:endParaRPr lang="en-GB"/>
           </a:p>
@@ -3027,8 +3027,8 @@
         </p:nvSpPr>
         <p:spPr>
           <a:xfrm>
-            <a:off x="4038600" y="6006163"/>
-            <a:ext cx="4114800" cy="345009"/>
+            <a:off x="3696792" y="6006163"/>
+            <a:ext cx="3766542" cy="345009"/>
           </a:xfrm>
           <a:prstGeom prst="rect">
             <a:avLst/>
@@ -3038,7 +3038,7 @@
           <a:bodyPr vert="horz" lIns="91440" tIns="45720" rIns="91440" bIns="45720" rtlCol="0" anchor="ctr"/>
           <a:lstStyle>
             <a:lvl1pPr algn="ctr">
-              <a:defRPr sz="1134">
+              <a:defRPr sz="1098">
                 <a:solidFill>
                   <a:schemeClr val="tx1">
                     <a:tint val="75000"/>
@@ -3064,8 +3064,8 @@
         </p:nvSpPr>
         <p:spPr>
           <a:xfrm>
-            <a:off x="8610600" y="6006163"/>
-            <a:ext cx="2743200" cy="345009"/>
+            <a:off x="7881838" y="6006163"/>
+            <a:ext cx="2511028" cy="345009"/>
           </a:xfrm>
           <a:prstGeom prst="rect">
             <a:avLst/>
@@ -3075,7 +3075,7 @@
           <a:bodyPr vert="horz" lIns="91440" tIns="45720" rIns="91440" bIns="45720" rtlCol="0" anchor="ctr"/>
           <a:lstStyle>
             <a:lvl1pPr algn="r">
-              <a:defRPr sz="1134">
+              <a:defRPr sz="1098">
                 <a:solidFill>
                   <a:schemeClr val="tx1">
                     <a:tint val="75000"/>
@@ -3096,27 +3096,27 @@
     </p:spTree>
     <p:extLst>
       <p:ext uri="{BB962C8B-B14F-4D97-AF65-F5344CB8AC3E}">
-        <p14:creationId xmlns:p14="http://schemas.microsoft.com/office/powerpoint/2010/main" val="554348753"/>
+        <p14:creationId xmlns:p14="http://schemas.microsoft.com/office/powerpoint/2010/main" val="3428087899"/>
       </p:ext>
     </p:extLst>
   </p:cSld>
   <p:clrMap bg1="lt1" tx1="dk1" bg2="lt2" tx2="dk2" accent1="accent1" accent2="accent2" accent3="accent3" accent4="accent4" accent5="accent5" accent6="accent6" hlink="hlink" folHlink="folHlink"/>
   <p:sldLayoutIdLst>
-    <p:sldLayoutId id="2147483673" r:id="rId1"/>
-    <p:sldLayoutId id="2147483674" r:id="rId2"/>
-    <p:sldLayoutId id="2147483675" r:id="rId3"/>
-    <p:sldLayoutId id="2147483676" r:id="rId4"/>
-    <p:sldLayoutId id="2147483677" r:id="rId5"/>
-    <p:sldLayoutId id="2147483678" r:id="rId6"/>
-    <p:sldLayoutId id="2147483679" r:id="rId7"/>
-    <p:sldLayoutId id="2147483680" r:id="rId8"/>
-    <p:sldLayoutId id="2147483681" r:id="rId9"/>
-    <p:sldLayoutId id="2147483682" r:id="rId10"/>
-    <p:sldLayoutId id="2147483683" r:id="rId11"/>
+    <p:sldLayoutId id="2147483697" r:id="rId1"/>
+    <p:sldLayoutId id="2147483698" r:id="rId2"/>
+    <p:sldLayoutId id="2147483699" r:id="rId3"/>
+    <p:sldLayoutId id="2147483700" r:id="rId4"/>
+    <p:sldLayoutId id="2147483701" r:id="rId5"/>
+    <p:sldLayoutId id="2147483702" r:id="rId6"/>
+    <p:sldLayoutId id="2147483703" r:id="rId7"/>
+    <p:sldLayoutId id="2147483704" r:id="rId8"/>
+    <p:sldLayoutId id="2147483705" r:id="rId9"/>
+    <p:sldLayoutId id="2147483706" r:id="rId10"/>
+    <p:sldLayoutId id="2147483707" r:id="rId11"/>
   </p:sldLayoutIdLst>
   <p:txStyles>
     <p:titleStyle>
-      <a:lvl1pPr algn="l" defTabSz="864017" rtl="0" eaLnBrk="1" latinLnBrk="0" hangingPunct="1">
+      <a:lvl1pPr algn="l" defTabSz="837042" rtl="0" eaLnBrk="1" latinLnBrk="0" hangingPunct="1">
         <a:lnSpc>
           <a:spcPct val="90000"/>
         </a:lnSpc>
@@ -3124,7 +3124,7 @@
           <a:spcPct val="0"/>
         </a:spcBef>
         <a:buNone/>
-        <a:defRPr sz="4158" kern="1200">
+        <a:defRPr sz="4028" kern="1200">
           <a:solidFill>
             <a:schemeClr val="tx1"/>
           </a:solidFill>
@@ -3135,16 +3135,16 @@
       </a:lvl1pPr>
     </p:titleStyle>
     <p:bodyStyle>
-      <a:lvl1pPr marL="216004" indent="-216004" algn="l" defTabSz="864017" rtl="0" eaLnBrk="1" latinLnBrk="0" hangingPunct="1">
+      <a:lvl1pPr marL="209260" indent="-209260" algn="l" defTabSz="837042" rtl="0" eaLnBrk="1" latinLnBrk="0" hangingPunct="1">
         <a:lnSpc>
           <a:spcPct val="90000"/>
         </a:lnSpc>
         <a:spcBef>
-          <a:spcPts val="945"/>
+          <a:spcPts val="915"/>
         </a:spcBef>
         <a:buFont typeface="Arial" panose="020B0604020202020204" pitchFamily="34" charset="0"/>
         <a:buChar char="•"/>
-        <a:defRPr sz="2646" kern="1200">
+        <a:defRPr sz="2563" kern="1200">
           <a:solidFill>
             <a:schemeClr val="tx1"/>
           </a:solidFill>
@@ -3153,16 +3153,16 @@
           <a:cs typeface="+mn-cs"/>
         </a:defRPr>
       </a:lvl1pPr>
-      <a:lvl2pPr marL="648012" indent="-216004" algn="l" defTabSz="864017" rtl="0" eaLnBrk="1" latinLnBrk="0" hangingPunct="1">
+      <a:lvl2pPr marL="627781" indent="-209260" algn="l" defTabSz="837042" rtl="0" eaLnBrk="1" latinLnBrk="0" hangingPunct="1">
         <a:lnSpc>
           <a:spcPct val="90000"/>
         </a:lnSpc>
         <a:spcBef>
-          <a:spcPts val="472"/>
+          <a:spcPts val="458"/>
         </a:spcBef>
         <a:buFont typeface="Arial" panose="020B0604020202020204" pitchFamily="34" charset="0"/>
         <a:buChar char="•"/>
-        <a:defRPr sz="2268" kern="1200">
+        <a:defRPr sz="2197" kern="1200">
           <a:solidFill>
             <a:schemeClr val="tx1"/>
           </a:solidFill>
@@ -3171,16 +3171,16 @@
           <a:cs typeface="+mn-cs"/>
         </a:defRPr>
       </a:lvl2pPr>
-      <a:lvl3pPr marL="1080021" indent="-216004" algn="l" defTabSz="864017" rtl="0" eaLnBrk="1" latinLnBrk="0" hangingPunct="1">
+      <a:lvl3pPr marL="1046302" indent="-209260" algn="l" defTabSz="837042" rtl="0" eaLnBrk="1" latinLnBrk="0" hangingPunct="1">
         <a:lnSpc>
           <a:spcPct val="90000"/>
         </a:lnSpc>
         <a:spcBef>
-          <a:spcPts val="472"/>
+          <a:spcPts val="458"/>
         </a:spcBef>
         <a:buFont typeface="Arial" panose="020B0604020202020204" pitchFamily="34" charset="0"/>
         <a:buChar char="•"/>
-        <a:defRPr sz="1890" kern="1200">
+        <a:defRPr sz="1831" kern="1200">
           <a:solidFill>
             <a:schemeClr val="tx1"/>
           </a:solidFill>
@@ -3189,16 +3189,16 @@
           <a:cs typeface="+mn-cs"/>
         </a:defRPr>
       </a:lvl3pPr>
-      <a:lvl4pPr marL="1512029" indent="-216004" algn="l" defTabSz="864017" rtl="0" eaLnBrk="1" latinLnBrk="0" hangingPunct="1">
+      <a:lvl4pPr marL="1464823" indent="-209260" algn="l" defTabSz="837042" rtl="0" eaLnBrk="1" latinLnBrk="0" hangingPunct="1">
         <a:lnSpc>
           <a:spcPct val="90000"/>
         </a:lnSpc>
         <a:spcBef>
-          <a:spcPts val="472"/>
+          <a:spcPts val="458"/>
         </a:spcBef>
         <a:buFont typeface="Arial" panose="020B0604020202020204" pitchFamily="34" charset="0"/>
         <a:buChar char="•"/>
-        <a:defRPr sz="1701" kern="1200">
+        <a:defRPr sz="1648" kern="1200">
           <a:solidFill>
             <a:schemeClr val="tx1"/>
           </a:solidFill>
@@ -3207,16 +3207,16 @@
           <a:cs typeface="+mn-cs"/>
         </a:defRPr>
       </a:lvl4pPr>
-      <a:lvl5pPr marL="1944037" indent="-216004" algn="l" defTabSz="864017" rtl="0" eaLnBrk="1" latinLnBrk="0" hangingPunct="1">
+      <a:lvl5pPr marL="1883344" indent="-209260" algn="l" defTabSz="837042" rtl="0" eaLnBrk="1" latinLnBrk="0" hangingPunct="1">
         <a:lnSpc>
           <a:spcPct val="90000"/>
         </a:lnSpc>
         <a:spcBef>
-          <a:spcPts val="472"/>
+          <a:spcPts val="458"/>
         </a:spcBef>
         <a:buFont typeface="Arial" panose="020B0604020202020204" pitchFamily="34" charset="0"/>
         <a:buChar char="•"/>
-        <a:defRPr sz="1701" kern="1200">
+        <a:defRPr sz="1648" kern="1200">
           <a:solidFill>
             <a:schemeClr val="tx1"/>
           </a:solidFill>
@@ -3225,16 +3225,16 @@
           <a:cs typeface="+mn-cs"/>
         </a:defRPr>
       </a:lvl5pPr>
-      <a:lvl6pPr marL="2376046" indent="-216004" algn="l" defTabSz="864017" rtl="0" eaLnBrk="1" latinLnBrk="0" hangingPunct="1">
+      <a:lvl6pPr marL="2301865" indent="-209260" algn="l" defTabSz="837042" rtl="0" eaLnBrk="1" latinLnBrk="0" hangingPunct="1">
         <a:lnSpc>
           <a:spcPct val="90000"/>
         </a:lnSpc>
         <a:spcBef>
-          <a:spcPts val="472"/>
+          <a:spcPts val="458"/>
         </a:spcBef>
         <a:buFont typeface="Arial" panose="020B0604020202020204" pitchFamily="34" charset="0"/>
         <a:buChar char="•"/>
-        <a:defRPr sz="1701" kern="1200">
+        <a:defRPr sz="1648" kern="1200">
           <a:solidFill>
             <a:schemeClr val="tx1"/>
           </a:solidFill>
@@ -3243,16 +3243,16 @@
           <a:cs typeface="+mn-cs"/>
         </a:defRPr>
       </a:lvl6pPr>
-      <a:lvl7pPr marL="2808054" indent="-216004" algn="l" defTabSz="864017" rtl="0" eaLnBrk="1" latinLnBrk="0" hangingPunct="1">
+      <a:lvl7pPr marL="2720386" indent="-209260" algn="l" defTabSz="837042" rtl="0" eaLnBrk="1" latinLnBrk="0" hangingPunct="1">
         <a:lnSpc>
           <a:spcPct val="90000"/>
         </a:lnSpc>
         <a:spcBef>
-          <a:spcPts val="472"/>
+          <a:spcPts val="458"/>
         </a:spcBef>
         <a:buFont typeface="Arial" panose="020B0604020202020204" pitchFamily="34" charset="0"/>
         <a:buChar char="•"/>
-        <a:defRPr sz="1701" kern="1200">
+        <a:defRPr sz="1648" kern="1200">
           <a:solidFill>
             <a:schemeClr val="tx1"/>
           </a:solidFill>
@@ -3261,16 +3261,16 @@
           <a:cs typeface="+mn-cs"/>
         </a:defRPr>
       </a:lvl7pPr>
-      <a:lvl8pPr marL="3240062" indent="-216004" algn="l" defTabSz="864017" rtl="0" eaLnBrk="1" latinLnBrk="0" hangingPunct="1">
+      <a:lvl8pPr marL="3138907" indent="-209260" algn="l" defTabSz="837042" rtl="0" eaLnBrk="1" latinLnBrk="0" hangingPunct="1">
         <a:lnSpc>
           <a:spcPct val="90000"/>
         </a:lnSpc>
         <a:spcBef>
-          <a:spcPts val="472"/>
+          <a:spcPts val="458"/>
         </a:spcBef>
         <a:buFont typeface="Arial" panose="020B0604020202020204" pitchFamily="34" charset="0"/>
         <a:buChar char="•"/>
-        <a:defRPr sz="1701" kern="1200">
+        <a:defRPr sz="1648" kern="1200">
           <a:solidFill>
             <a:schemeClr val="tx1"/>
           </a:solidFill>
@@ -3279,16 +3279,16 @@
           <a:cs typeface="+mn-cs"/>
         </a:defRPr>
       </a:lvl8pPr>
-      <a:lvl9pPr marL="3672070" indent="-216004" algn="l" defTabSz="864017" rtl="0" eaLnBrk="1" latinLnBrk="0" hangingPunct="1">
+      <a:lvl9pPr marL="3557427" indent="-209260" algn="l" defTabSz="837042" rtl="0" eaLnBrk="1" latinLnBrk="0" hangingPunct="1">
         <a:lnSpc>
           <a:spcPct val="90000"/>
         </a:lnSpc>
         <a:spcBef>
-          <a:spcPts val="472"/>
+          <a:spcPts val="458"/>
         </a:spcBef>
         <a:buFont typeface="Arial" panose="020B0604020202020204" pitchFamily="34" charset="0"/>
         <a:buChar char="•"/>
-        <a:defRPr sz="1701" kern="1200">
+        <a:defRPr sz="1648" kern="1200">
           <a:solidFill>
             <a:schemeClr val="tx1"/>
           </a:solidFill>
@@ -3302,8 +3302,8 @@
       <a:defPPr>
         <a:defRPr lang="en-US"/>
       </a:defPPr>
-      <a:lvl1pPr marL="0" algn="l" defTabSz="864017" rtl="0" eaLnBrk="1" latinLnBrk="0" hangingPunct="1">
-        <a:defRPr sz="1701" kern="1200">
+      <a:lvl1pPr marL="0" algn="l" defTabSz="837042" rtl="0" eaLnBrk="1" latinLnBrk="0" hangingPunct="1">
+        <a:defRPr sz="1648" kern="1200">
           <a:solidFill>
             <a:schemeClr val="tx1"/>
           </a:solidFill>
@@ -3312,8 +3312,8 @@
           <a:cs typeface="+mn-cs"/>
         </a:defRPr>
       </a:lvl1pPr>
-      <a:lvl2pPr marL="432008" algn="l" defTabSz="864017" rtl="0" eaLnBrk="1" latinLnBrk="0" hangingPunct="1">
-        <a:defRPr sz="1701" kern="1200">
+      <a:lvl2pPr marL="418521" algn="l" defTabSz="837042" rtl="0" eaLnBrk="1" latinLnBrk="0" hangingPunct="1">
+        <a:defRPr sz="1648" kern="1200">
           <a:solidFill>
             <a:schemeClr val="tx1"/>
           </a:solidFill>
@@ -3322,8 +3322,8 @@
           <a:cs typeface="+mn-cs"/>
         </a:defRPr>
       </a:lvl2pPr>
-      <a:lvl3pPr marL="864017" algn="l" defTabSz="864017" rtl="0" eaLnBrk="1" latinLnBrk="0" hangingPunct="1">
-        <a:defRPr sz="1701" kern="1200">
+      <a:lvl3pPr marL="837042" algn="l" defTabSz="837042" rtl="0" eaLnBrk="1" latinLnBrk="0" hangingPunct="1">
+        <a:defRPr sz="1648" kern="1200">
           <a:solidFill>
             <a:schemeClr val="tx1"/>
           </a:solidFill>
@@ -3332,8 +3332,8 @@
           <a:cs typeface="+mn-cs"/>
         </a:defRPr>
       </a:lvl3pPr>
-      <a:lvl4pPr marL="1296025" algn="l" defTabSz="864017" rtl="0" eaLnBrk="1" latinLnBrk="0" hangingPunct="1">
-        <a:defRPr sz="1701" kern="1200">
+      <a:lvl4pPr marL="1255563" algn="l" defTabSz="837042" rtl="0" eaLnBrk="1" latinLnBrk="0" hangingPunct="1">
+        <a:defRPr sz="1648" kern="1200">
           <a:solidFill>
             <a:schemeClr val="tx1"/>
           </a:solidFill>
@@ -3342,8 +3342,8 @@
           <a:cs typeface="+mn-cs"/>
         </a:defRPr>
       </a:lvl4pPr>
-      <a:lvl5pPr marL="1728033" algn="l" defTabSz="864017" rtl="0" eaLnBrk="1" latinLnBrk="0" hangingPunct="1">
-        <a:defRPr sz="1701" kern="1200">
+      <a:lvl5pPr marL="1674084" algn="l" defTabSz="837042" rtl="0" eaLnBrk="1" latinLnBrk="0" hangingPunct="1">
+        <a:defRPr sz="1648" kern="1200">
           <a:solidFill>
             <a:schemeClr val="tx1"/>
           </a:solidFill>
@@ -3352,8 +3352,8 @@
           <a:cs typeface="+mn-cs"/>
         </a:defRPr>
       </a:lvl5pPr>
-      <a:lvl6pPr marL="2160041" algn="l" defTabSz="864017" rtl="0" eaLnBrk="1" latinLnBrk="0" hangingPunct="1">
-        <a:defRPr sz="1701" kern="1200">
+      <a:lvl6pPr marL="2092604" algn="l" defTabSz="837042" rtl="0" eaLnBrk="1" latinLnBrk="0" hangingPunct="1">
+        <a:defRPr sz="1648" kern="1200">
           <a:solidFill>
             <a:schemeClr val="tx1"/>
           </a:solidFill>
@@ -3362,8 +3362,8 @@
           <a:cs typeface="+mn-cs"/>
         </a:defRPr>
       </a:lvl6pPr>
-      <a:lvl7pPr marL="2592050" algn="l" defTabSz="864017" rtl="0" eaLnBrk="1" latinLnBrk="0" hangingPunct="1">
-        <a:defRPr sz="1701" kern="1200">
+      <a:lvl7pPr marL="2511125" algn="l" defTabSz="837042" rtl="0" eaLnBrk="1" latinLnBrk="0" hangingPunct="1">
+        <a:defRPr sz="1648" kern="1200">
           <a:solidFill>
             <a:schemeClr val="tx1"/>
           </a:solidFill>
@@ -3372,8 +3372,8 @@
           <a:cs typeface="+mn-cs"/>
         </a:defRPr>
       </a:lvl7pPr>
-      <a:lvl8pPr marL="3024058" algn="l" defTabSz="864017" rtl="0" eaLnBrk="1" latinLnBrk="0" hangingPunct="1">
-        <a:defRPr sz="1701" kern="1200">
+      <a:lvl8pPr marL="2929646" algn="l" defTabSz="837042" rtl="0" eaLnBrk="1" latinLnBrk="0" hangingPunct="1">
+        <a:defRPr sz="1648" kern="1200">
           <a:solidFill>
             <a:schemeClr val="tx1"/>
           </a:solidFill>
@@ -3382,8 +3382,8 @@
           <a:cs typeface="+mn-cs"/>
         </a:defRPr>
       </a:lvl8pPr>
-      <a:lvl9pPr marL="3456066" algn="l" defTabSz="864017" rtl="0" eaLnBrk="1" latinLnBrk="0" hangingPunct="1">
-        <a:defRPr sz="1701" kern="1200">
+      <a:lvl9pPr marL="3348167" algn="l" defTabSz="837042" rtl="0" eaLnBrk="1" latinLnBrk="0" hangingPunct="1">
+        <a:defRPr sz="1648" kern="1200">
           <a:solidFill>
             <a:schemeClr val="tx1"/>
           </a:solidFill>
@@ -3416,10 +3416,10 @@
       </p:grpSpPr>
       <p:pic>
         <p:nvPicPr>
-          <p:cNvPr id="5" name="Picture 4">
+          <p:cNvPr id="4" name="Picture 3">
             <a:extLst>
               <a:ext uri="{FF2B5EF4-FFF2-40B4-BE49-F238E27FC236}">
-                <a16:creationId xmlns:a16="http://schemas.microsoft.com/office/drawing/2014/main" id="{457959F5-2C2A-C06B-A4E3-02243063ACB5}"/>
+                <a16:creationId xmlns:a16="http://schemas.microsoft.com/office/drawing/2014/main" id="{A2F67622-46C7-61FC-FB0F-6A2D62127046}"/>
               </a:ext>
             </a:extLst>
           </p:cNvPr>
@@ -3430,25 +3430,77 @@
         </p:nvPicPr>
         <p:blipFill rotWithShape="1">
           <a:blip r:embed="rId3"/>
-          <a:srcRect b="57069"/>
+          <a:srcRect t="50000" b="5771"/>
           <a:stretch/>
         </p:blipFill>
         <p:spPr>
           <a:xfrm>
-            <a:off x="0" y="80853"/>
-            <a:ext cx="12192000" cy="2617075"/>
+            <a:off x="285328" y="2980270"/>
+            <a:ext cx="10800294" cy="2866116"/>
           </a:xfrm>
           <a:prstGeom prst="rect">
             <a:avLst/>
           </a:prstGeom>
         </p:spPr>
       </p:pic>
+      <p:sp>
+        <p:nvSpPr>
+          <p:cNvPr id="61" name="Rectangle 60">
+            <a:extLst>
+              <a:ext uri="{FF2B5EF4-FFF2-40B4-BE49-F238E27FC236}">
+                <a16:creationId xmlns:a16="http://schemas.microsoft.com/office/drawing/2014/main" id="{D550158B-A086-B926-621F-B4EA8B9A8081}"/>
+              </a:ext>
+            </a:extLst>
+          </p:cNvPr>
+          <p:cNvSpPr/>
+          <p:nvPr/>
+        </p:nvSpPr>
+        <p:spPr>
+          <a:xfrm>
+            <a:off x="8018462" y="3030502"/>
+            <a:ext cx="246222" cy="2674977"/>
+          </a:xfrm>
+          <a:prstGeom prst="rect">
+            <a:avLst/>
+          </a:prstGeom>
+          <a:solidFill>
+            <a:schemeClr val="bg1"/>
+          </a:solidFill>
+          <a:ln>
+            <a:noFill/>
+          </a:ln>
+        </p:spPr>
+        <p:style>
+          <a:lnRef idx="2">
+            <a:schemeClr val="accent1">
+              <a:shade val="50000"/>
+            </a:schemeClr>
+          </a:lnRef>
+          <a:fillRef idx="1">
+            <a:schemeClr val="accent1"/>
+          </a:fillRef>
+          <a:effectRef idx="0">
+            <a:schemeClr val="accent1"/>
+          </a:effectRef>
+          <a:fontRef idx="minor">
+            <a:schemeClr val="lt1"/>
+          </a:fontRef>
+        </p:style>
+        <p:txBody>
+          <a:bodyPr rtlCol="0" anchor="ctr"/>
+          <a:lstStyle/>
+          <a:p>
+            <a:pPr algn="ctr"/>
+            <a:endParaRPr lang="en-GB"/>
+          </a:p>
+        </p:txBody>
+      </p:sp>
       <p:pic>
         <p:nvPicPr>
-          <p:cNvPr id="6" name="Picture 5">
+          <p:cNvPr id="2" name="Picture 1">
             <a:extLst>
               <a:ext uri="{FF2B5EF4-FFF2-40B4-BE49-F238E27FC236}">
-                <a16:creationId xmlns:a16="http://schemas.microsoft.com/office/drawing/2014/main" id="{D1218E91-03FA-B206-29CA-6ADEEA332D13}"/>
+                <a16:creationId xmlns:a16="http://schemas.microsoft.com/office/drawing/2014/main" id="{F569C192-25F3-D9B6-DDB5-22DFFF436798}"/>
               </a:ext>
             </a:extLst>
           </p:cNvPr>
@@ -3458,14 +3510,14 @@
           <p:nvPr/>
         </p:nvPicPr>
         <p:blipFill rotWithShape="1">
-          <a:blip r:embed="rId4"/>
-          <a:srcRect t="48578" b="8491"/>
+          <a:blip r:embed="rId3"/>
+          <a:srcRect b="54663"/>
           <a:stretch/>
         </p:blipFill>
         <p:spPr>
           <a:xfrm>
-            <a:off x="0" y="3128855"/>
-            <a:ext cx="12192000" cy="2617075"/>
+            <a:off x="285328" y="0"/>
+            <a:ext cx="10800294" cy="2937934"/>
           </a:xfrm>
           <a:prstGeom prst="rect">
             <a:avLst/>
@@ -3474,10 +3526,10 @@
       </p:pic>
       <p:sp>
         <p:nvSpPr>
-          <p:cNvPr id="7" name="TextBox 6">
+          <p:cNvPr id="36" name="TextBox 35">
             <a:extLst>
               <a:ext uri="{FF2B5EF4-FFF2-40B4-BE49-F238E27FC236}">
-                <a16:creationId xmlns:a16="http://schemas.microsoft.com/office/drawing/2014/main" id="{C5744AF8-0923-D86B-6468-06C27DACC4C5}"/>
+                <a16:creationId xmlns:a16="http://schemas.microsoft.com/office/drawing/2014/main" id="{F28F4942-9DDA-F5D1-2193-0E1E6E65FE48}"/>
               </a:ext>
             </a:extLst>
           </p:cNvPr>
@@ -3485,238 +3537,9 @@
           <p:nvPr/>
         </p:nvSpPr>
         <p:spPr>
-          <a:xfrm rot="19357041">
-            <a:off x="597653" y="5827014"/>
-            <a:ext cx="670376" cy="276999"/>
-          </a:xfrm>
-          <a:prstGeom prst="rect">
-            <a:avLst/>
-          </a:prstGeom>
-          <a:noFill/>
-        </p:spPr>
-        <p:txBody>
-          <a:bodyPr wrap="none" rtlCol="0">
-            <a:spAutoFit/>
-          </a:bodyPr>
-          <a:lstStyle/>
-          <a:p>
-            <a:r>
-              <a:rPr lang="en-GB" sz="1200" dirty="0">
-                <a:latin typeface="Arial" panose="020B0604020202020204" pitchFamily="34" charset="0"/>
-                <a:cs typeface="Arial" panose="020B0604020202020204" pitchFamily="34" charset="0"/>
-              </a:rPr>
-              <a:t>Sep 01</a:t>
-            </a:r>
-          </a:p>
-        </p:txBody>
-      </p:sp>
-      <p:sp>
-        <p:nvSpPr>
-          <p:cNvPr id="8" name="TextBox 7">
-            <a:extLst>
-              <a:ext uri="{FF2B5EF4-FFF2-40B4-BE49-F238E27FC236}">
-                <a16:creationId xmlns:a16="http://schemas.microsoft.com/office/drawing/2014/main" id="{093361B2-FEA8-7942-DE06-8430C7B8BED6}"/>
-              </a:ext>
-            </a:extLst>
-          </p:cNvPr>
-          <p:cNvSpPr txBox="1"/>
-          <p:nvPr/>
-        </p:nvSpPr>
-        <p:spPr>
-          <a:xfrm rot="19357041">
-            <a:off x="2200482" y="5827015"/>
-            <a:ext cx="670376" cy="276999"/>
-          </a:xfrm>
-          <a:prstGeom prst="rect">
-            <a:avLst/>
-          </a:prstGeom>
-          <a:noFill/>
-        </p:spPr>
-        <p:txBody>
-          <a:bodyPr wrap="none" rtlCol="0">
-            <a:spAutoFit/>
-          </a:bodyPr>
-          <a:lstStyle/>
-          <a:p>
-            <a:r>
-              <a:rPr lang="en-GB" sz="1200" dirty="0">
-                <a:latin typeface="Arial" panose="020B0604020202020204" pitchFamily="34" charset="0"/>
-                <a:cs typeface="Arial" panose="020B0604020202020204" pitchFamily="34" charset="0"/>
-              </a:rPr>
-              <a:t>Sep 15</a:t>
-            </a:r>
-          </a:p>
-        </p:txBody>
-      </p:sp>
-      <p:sp>
-        <p:nvSpPr>
-          <p:cNvPr id="9" name="TextBox 8">
-            <a:extLst>
-              <a:ext uri="{FF2B5EF4-FFF2-40B4-BE49-F238E27FC236}">
-                <a16:creationId xmlns:a16="http://schemas.microsoft.com/office/drawing/2014/main" id="{A50C9B34-52F8-05FB-F54E-049A649B37FD}"/>
-              </a:ext>
-            </a:extLst>
-          </p:cNvPr>
-          <p:cNvSpPr txBox="1"/>
-          <p:nvPr/>
-        </p:nvSpPr>
-        <p:spPr>
-          <a:xfrm rot="19357041">
-            <a:off x="4061078" y="5817281"/>
-            <a:ext cx="638316" cy="276999"/>
-          </a:xfrm>
-          <a:prstGeom prst="rect">
-            <a:avLst/>
-          </a:prstGeom>
-          <a:noFill/>
-        </p:spPr>
-        <p:txBody>
-          <a:bodyPr wrap="none" rtlCol="0">
-            <a:spAutoFit/>
-          </a:bodyPr>
-          <a:lstStyle/>
-          <a:p>
-            <a:r>
-              <a:rPr lang="en-GB" sz="1200" dirty="0">
-                <a:latin typeface="Arial" panose="020B0604020202020204" pitchFamily="34" charset="0"/>
-                <a:cs typeface="Arial" panose="020B0604020202020204" pitchFamily="34" charset="0"/>
-              </a:rPr>
-              <a:t>Oct 01</a:t>
-            </a:r>
-          </a:p>
-        </p:txBody>
-      </p:sp>
-      <p:sp>
-        <p:nvSpPr>
-          <p:cNvPr id="10" name="TextBox 9">
-            <a:extLst>
-              <a:ext uri="{FF2B5EF4-FFF2-40B4-BE49-F238E27FC236}">
-                <a16:creationId xmlns:a16="http://schemas.microsoft.com/office/drawing/2014/main" id="{5ED38FAA-3FFE-0FCA-EBE8-B0B1DA035354}"/>
-              </a:ext>
-            </a:extLst>
-          </p:cNvPr>
-          <p:cNvSpPr txBox="1"/>
-          <p:nvPr/>
-        </p:nvSpPr>
-        <p:spPr>
-          <a:xfrm rot="19357041">
-            <a:off x="5674416" y="5817281"/>
-            <a:ext cx="638316" cy="276999"/>
-          </a:xfrm>
-          <a:prstGeom prst="rect">
-            <a:avLst/>
-          </a:prstGeom>
-          <a:noFill/>
-        </p:spPr>
-        <p:txBody>
-          <a:bodyPr wrap="none" rtlCol="0">
-            <a:spAutoFit/>
-          </a:bodyPr>
-          <a:lstStyle/>
-          <a:p>
-            <a:r>
-              <a:rPr lang="en-GB" sz="1200" dirty="0">
-                <a:latin typeface="Arial" panose="020B0604020202020204" pitchFamily="34" charset="0"/>
-                <a:cs typeface="Arial" panose="020B0604020202020204" pitchFamily="34" charset="0"/>
-              </a:rPr>
-              <a:t>Oct 15</a:t>
-            </a:r>
-          </a:p>
-        </p:txBody>
-      </p:sp>
-      <p:sp>
-        <p:nvSpPr>
-          <p:cNvPr id="11" name="TextBox 10">
-            <a:extLst>
-              <a:ext uri="{FF2B5EF4-FFF2-40B4-BE49-F238E27FC236}">
-                <a16:creationId xmlns:a16="http://schemas.microsoft.com/office/drawing/2014/main" id="{DBC703E8-76CE-F002-85D4-33F99344549C}"/>
-              </a:ext>
-            </a:extLst>
-          </p:cNvPr>
-          <p:cNvSpPr txBox="1"/>
-          <p:nvPr/>
-        </p:nvSpPr>
-        <p:spPr>
-          <a:xfrm rot="19357041">
-            <a:off x="7639586" y="5827015"/>
-            <a:ext cx="670376" cy="276999"/>
-          </a:xfrm>
-          <a:prstGeom prst="rect">
-            <a:avLst/>
-          </a:prstGeom>
-          <a:noFill/>
-        </p:spPr>
-        <p:txBody>
-          <a:bodyPr wrap="none" rtlCol="0">
-            <a:spAutoFit/>
-          </a:bodyPr>
-          <a:lstStyle/>
-          <a:p>
-            <a:r>
-              <a:rPr lang="en-GB" sz="1200" dirty="0">
-                <a:latin typeface="Arial" panose="020B0604020202020204" pitchFamily="34" charset="0"/>
-                <a:cs typeface="Arial" panose="020B0604020202020204" pitchFamily="34" charset="0"/>
-              </a:rPr>
-              <a:t>Nov 01</a:t>
-            </a:r>
-          </a:p>
-        </p:txBody>
-      </p:sp>
-      <p:sp>
-        <p:nvSpPr>
-          <p:cNvPr id="12" name="TextBox 11">
-            <a:extLst>
-              <a:ext uri="{FF2B5EF4-FFF2-40B4-BE49-F238E27FC236}">
-                <a16:creationId xmlns:a16="http://schemas.microsoft.com/office/drawing/2014/main" id="{1A624E57-D188-BB70-F395-4FD99FBE2AEF}"/>
-              </a:ext>
-            </a:extLst>
-          </p:cNvPr>
-          <p:cNvSpPr txBox="1"/>
-          <p:nvPr/>
-        </p:nvSpPr>
-        <p:spPr>
-          <a:xfrm>
-            <a:off x="714704" y="6123385"/>
-            <a:ext cx="8103476" cy="307777"/>
-          </a:xfrm>
-          <a:prstGeom prst="rect">
-            <a:avLst/>
-          </a:prstGeom>
-          <a:noFill/>
-        </p:spPr>
-        <p:txBody>
-          <a:bodyPr wrap="square" rtlCol="0">
-            <a:spAutoFit/>
-          </a:bodyPr>
-          <a:lstStyle/>
-          <a:p>
-            <a:pPr algn="ctr"/>
-            <a:r>
-              <a:rPr lang="en-GB" sz="1400" b="1" dirty="0">
-                <a:latin typeface="Arial" panose="020B0604020202020204" pitchFamily="34" charset="0"/>
-                <a:cs typeface="Arial" panose="020B0604020202020204" pitchFamily="34" charset="0"/>
-              </a:rPr>
-              <a:t>Date (2018)</a:t>
-            </a:r>
-          </a:p>
-        </p:txBody>
-      </p:sp>
-      <p:sp>
-        <p:nvSpPr>
-          <p:cNvPr id="13" name="TextBox 12">
-            <a:extLst>
-              <a:ext uri="{FF2B5EF4-FFF2-40B4-BE49-F238E27FC236}">
-                <a16:creationId xmlns:a16="http://schemas.microsoft.com/office/drawing/2014/main" id="{AAC9A2F2-4F40-A12A-D420-AECD028F66A9}"/>
-              </a:ext>
-            </a:extLst>
-          </p:cNvPr>
-          <p:cNvSpPr txBox="1"/>
-          <p:nvPr/>
-        </p:nvSpPr>
-        <p:spPr>
           <a:xfrm rot="16200000">
-            <a:off x="-1051627" y="4346566"/>
-            <a:ext cx="2490952" cy="307777"/>
+            <a:off x="-1126420" y="4163372"/>
+            <a:ext cx="2827866" cy="461665"/>
           </a:xfrm>
           <a:prstGeom prst="rect">
             <a:avLst/>
@@ -3733,21 +3556,31 @@
           <a:p>
             <a:pPr algn="ctr"/>
             <a:r>
-              <a:rPr lang="en-GB" sz="1400" b="1" dirty="0">
+              <a:rPr lang="en-GB" sz="1200" b="1" dirty="0">
                 <a:latin typeface="Arial" panose="020B0604020202020204" pitchFamily="34" charset="0"/>
                 <a:cs typeface="Arial" panose="020B0604020202020204" pitchFamily="34" charset="0"/>
               </a:rPr>
-              <a:t>Spatial variability of NDSI</a:t>
-            </a:r>
-          </a:p>
-        </p:txBody>
-      </p:sp>
-      <p:sp>
-        <p:nvSpPr>
-          <p:cNvPr id="14" name="TextBox 13">
+              <a:t>Spatial variability of </a:t>
+            </a:r>
+          </a:p>
+          <a:p>
+            <a:pPr algn="ctr"/>
+            <a:r>
+              <a:rPr lang="en-GB" sz="1200" b="1" dirty="0">
+                <a:latin typeface="Arial" panose="020B0604020202020204" pitchFamily="34" charset="0"/>
+                <a:cs typeface="Arial" panose="020B0604020202020204" pitchFamily="34" charset="0"/>
+              </a:rPr>
+              <a:t>species detections</a:t>
+            </a:r>
+          </a:p>
+        </p:txBody>
+      </p:sp>
+      <p:sp>
+        <p:nvSpPr>
+          <p:cNvPr id="37" name="TextBox 36">
             <a:extLst>
               <a:ext uri="{FF2B5EF4-FFF2-40B4-BE49-F238E27FC236}">
-                <a16:creationId xmlns:a16="http://schemas.microsoft.com/office/drawing/2014/main" id="{6AF4625E-4139-6A98-DB78-EFFBFAAF2930}"/>
+                <a16:creationId xmlns:a16="http://schemas.microsoft.com/office/drawing/2014/main" id="{FC38EB0E-EC15-BD32-DFFB-E3066664B168}"/>
               </a:ext>
             </a:extLst>
           </p:cNvPr>
@@ -3756,8 +3589,8 @@
         </p:nvSpPr>
         <p:spPr>
           <a:xfrm rot="16200000">
-            <a:off x="-1049448" y="1335350"/>
-            <a:ext cx="2490952" cy="307777"/>
+            <a:off x="-1179277" y="1238136"/>
+            <a:ext cx="2937937" cy="461665"/>
           </a:xfrm>
           <a:prstGeom prst="rect">
             <a:avLst/>
@@ -3774,21 +3607,31 @@
           <a:p>
             <a:pPr algn="ctr"/>
             <a:r>
-              <a:rPr lang="en-GB" sz="1400" b="1" dirty="0">
+              <a:rPr lang="en-GB" sz="1200" b="1" dirty="0">
                 <a:latin typeface="Arial" panose="020B0604020202020204" pitchFamily="34" charset="0"/>
                 <a:cs typeface="Arial" panose="020B0604020202020204" pitchFamily="34" charset="0"/>
               </a:rPr>
-              <a:t>Spatial variability of NDSI</a:t>
-            </a:r>
-          </a:p>
-        </p:txBody>
-      </p:sp>
-      <p:sp>
-        <p:nvSpPr>
-          <p:cNvPr id="15" name="TextBox 14">
+              <a:t>Spatial variability of </a:t>
+            </a:r>
+          </a:p>
+          <a:p>
+            <a:pPr algn="ctr"/>
+            <a:r>
+              <a:rPr lang="en-GB" sz="1200" b="1" dirty="0">
+                <a:latin typeface="Arial" panose="020B0604020202020204" pitchFamily="34" charset="0"/>
+                <a:cs typeface="Arial" panose="020B0604020202020204" pitchFamily="34" charset="0"/>
+              </a:rPr>
+              <a:t>species detections</a:t>
+            </a:r>
+          </a:p>
+        </p:txBody>
+      </p:sp>
+      <p:sp>
+        <p:nvSpPr>
+          <p:cNvPr id="38" name="TextBox 37">
             <a:extLst>
               <a:ext uri="{FF2B5EF4-FFF2-40B4-BE49-F238E27FC236}">
-                <a16:creationId xmlns:a16="http://schemas.microsoft.com/office/drawing/2014/main" id="{29EC9143-3D5D-08AF-884C-5188854719C1}"/>
+                <a16:creationId xmlns:a16="http://schemas.microsoft.com/office/drawing/2014/main" id="{BF83F2E6-C143-2F99-525D-83BCDCEEC3B7}"/>
               </a:ext>
             </a:extLst>
           </p:cNvPr>
@@ -3796,9 +3639,9 @@
           <p:nvPr/>
         </p:nvSpPr>
         <p:spPr>
-          <a:xfrm>
-            <a:off x="9761082" y="5730166"/>
-            <a:ext cx="620683" cy="276999"/>
+          <a:xfrm rot="19357041">
+            <a:off x="715492" y="5897427"/>
+            <a:ext cx="587020" cy="246221"/>
           </a:xfrm>
           <a:prstGeom prst="rect">
             <a:avLst/>
@@ -3812,21 +3655,21 @@
           <a:lstStyle/>
           <a:p>
             <a:r>
-              <a:rPr lang="en-GB" sz="1200" dirty="0">
+              <a:rPr lang="en-GB" sz="1000" dirty="0">
                 <a:latin typeface="Arial" panose="020B0604020202020204" pitchFamily="34" charset="0"/>
                 <a:cs typeface="Arial" panose="020B0604020202020204" pitchFamily="34" charset="0"/>
               </a:rPr>
-              <a:t>Forest</a:t>
-            </a:r>
-          </a:p>
-        </p:txBody>
-      </p:sp>
-      <p:sp>
-        <p:nvSpPr>
-          <p:cNvPr id="16" name="TextBox 15">
+              <a:t>Sep 01</a:t>
+            </a:r>
+          </a:p>
+        </p:txBody>
+      </p:sp>
+      <p:sp>
+        <p:nvSpPr>
+          <p:cNvPr id="39" name="TextBox 38">
             <a:extLst>
               <a:ext uri="{FF2B5EF4-FFF2-40B4-BE49-F238E27FC236}">
-                <a16:creationId xmlns:a16="http://schemas.microsoft.com/office/drawing/2014/main" id="{FDB2D379-A9AA-395A-EE6A-733A7226A5F7}"/>
+                <a16:creationId xmlns:a16="http://schemas.microsoft.com/office/drawing/2014/main" id="{3893D662-01A8-6330-1B66-FE6ABBCFF135}"/>
               </a:ext>
             </a:extLst>
           </p:cNvPr>
@@ -3834,9 +3677,9 @@
           <p:nvPr/>
         </p:nvSpPr>
         <p:spPr>
-          <a:xfrm>
-            <a:off x="10829066" y="5730166"/>
-            <a:ext cx="915635" cy="276999"/>
+          <a:xfrm rot="19357041">
+            <a:off x="2140521" y="5897428"/>
+            <a:ext cx="587020" cy="246221"/>
           </a:xfrm>
           <a:prstGeom prst="rect">
             <a:avLst/>
@@ -3850,21 +3693,21 @@
           <a:lstStyle/>
           <a:p>
             <a:r>
-              <a:rPr lang="en-GB" sz="1200" dirty="0">
+              <a:rPr lang="en-GB" sz="1000" dirty="0">
                 <a:latin typeface="Arial" panose="020B0604020202020204" pitchFamily="34" charset="0"/>
                 <a:cs typeface="Arial" panose="020B0604020202020204" pitchFamily="34" charset="0"/>
               </a:rPr>
-              <a:t>Developed</a:t>
-            </a:r>
-          </a:p>
-        </p:txBody>
-      </p:sp>
-      <p:sp>
-        <p:nvSpPr>
-          <p:cNvPr id="17" name="TextBox 16">
+              <a:t>Sep 15</a:t>
+            </a:r>
+          </a:p>
+        </p:txBody>
+      </p:sp>
+      <p:sp>
+        <p:nvSpPr>
+          <p:cNvPr id="40" name="TextBox 39">
             <a:extLst>
               <a:ext uri="{FF2B5EF4-FFF2-40B4-BE49-F238E27FC236}">
-                <a16:creationId xmlns:a16="http://schemas.microsoft.com/office/drawing/2014/main" id="{586BC236-546D-8B58-6029-4FCB8B06C6F5}"/>
+                <a16:creationId xmlns:a16="http://schemas.microsoft.com/office/drawing/2014/main" id="{A073E5EA-A7AF-9C55-F091-3BC0EB291489}"/>
               </a:ext>
             </a:extLst>
           </p:cNvPr>
@@ -3872,9 +3715,9 @@
           <p:nvPr/>
         </p:nvSpPr>
         <p:spPr>
-          <a:xfrm>
-            <a:off x="9312168" y="6050471"/>
-            <a:ext cx="2722179" cy="307777"/>
+          <a:xfrm rot="19357041">
+            <a:off x="3803981" y="5887694"/>
+            <a:ext cx="559769" cy="246221"/>
           </a:xfrm>
           <a:prstGeom prst="rect">
             <a:avLst/>
@@ -3882,28 +3725,27 @@
           <a:noFill/>
         </p:spPr>
         <p:txBody>
-          <a:bodyPr wrap="square" rtlCol="0">
+          <a:bodyPr wrap="none" rtlCol="0">
             <a:spAutoFit/>
           </a:bodyPr>
           <a:lstStyle/>
           <a:p>
-            <a:pPr algn="ctr"/>
-            <a:r>
-              <a:rPr lang="en-GB" sz="1400" b="1" dirty="0">
+            <a:r>
+              <a:rPr lang="en-GB" sz="1000" dirty="0">
                 <a:latin typeface="Arial" panose="020B0604020202020204" pitchFamily="34" charset="0"/>
                 <a:cs typeface="Arial" panose="020B0604020202020204" pitchFamily="34" charset="0"/>
               </a:rPr>
-              <a:t>Land use </a:t>
-            </a:r>
-          </a:p>
-        </p:txBody>
-      </p:sp>
-      <p:sp>
-        <p:nvSpPr>
-          <p:cNvPr id="18" name="TextBox 17">
+              <a:t>Oct 01</a:t>
+            </a:r>
+          </a:p>
+        </p:txBody>
+      </p:sp>
+      <p:sp>
+        <p:nvSpPr>
+          <p:cNvPr id="41" name="TextBox 40">
             <a:extLst>
               <a:ext uri="{FF2B5EF4-FFF2-40B4-BE49-F238E27FC236}">
-                <a16:creationId xmlns:a16="http://schemas.microsoft.com/office/drawing/2014/main" id="{43FBD685-766C-623C-046F-CCB65B1CAFFF}"/>
+                <a16:creationId xmlns:a16="http://schemas.microsoft.com/office/drawing/2014/main" id="{CCFA1FAC-8492-3B00-920E-F6DCE7895633}"/>
               </a:ext>
             </a:extLst>
           </p:cNvPr>
@@ -3911,9 +3753,9 @@
           <p:nvPr/>
         </p:nvSpPr>
         <p:spPr>
-          <a:xfrm>
-            <a:off x="9564416" y="2637497"/>
-            <a:ext cx="1019503" cy="276999"/>
+          <a:xfrm rot="19357041">
+            <a:off x="5231053" y="5887694"/>
+            <a:ext cx="559769" cy="246221"/>
           </a:xfrm>
           <a:prstGeom prst="rect">
             <a:avLst/>
@@ -3921,28 +3763,27 @@
           <a:noFill/>
         </p:spPr>
         <p:txBody>
-          <a:bodyPr wrap="square" rtlCol="0">
+          <a:bodyPr wrap="none" rtlCol="0">
             <a:spAutoFit/>
           </a:bodyPr>
           <a:lstStyle/>
           <a:p>
-            <a:pPr algn="ctr"/>
-            <a:r>
-              <a:rPr lang="en-GB" sz="1200" dirty="0">
+            <a:r>
+              <a:rPr lang="en-GB" sz="1000" dirty="0">
                 <a:latin typeface="Arial" panose="020B0604020202020204" pitchFamily="34" charset="0"/>
                 <a:cs typeface="Arial" panose="020B0604020202020204" pitchFamily="34" charset="0"/>
               </a:rPr>
-              <a:t>Pre-typhoon</a:t>
-            </a:r>
-          </a:p>
-        </p:txBody>
-      </p:sp>
-      <p:sp>
-        <p:nvSpPr>
-          <p:cNvPr id="19" name="TextBox 18">
+              <a:t>Oct 15</a:t>
+            </a:r>
+          </a:p>
+        </p:txBody>
+      </p:sp>
+      <p:sp>
+        <p:nvSpPr>
+          <p:cNvPr id="42" name="TextBox 41">
             <a:extLst>
               <a:ext uri="{FF2B5EF4-FFF2-40B4-BE49-F238E27FC236}">
-                <a16:creationId xmlns:a16="http://schemas.microsoft.com/office/drawing/2014/main" id="{9982393E-B0D7-9493-59EE-D33E887A4B6A}"/>
+                <a16:creationId xmlns:a16="http://schemas.microsoft.com/office/drawing/2014/main" id="{8E348C72-682A-C028-D15A-1EF8C2CB1A04}"/>
               </a:ext>
             </a:extLst>
           </p:cNvPr>
@@ -3950,9 +3791,9 @@
           <p:nvPr/>
         </p:nvSpPr>
         <p:spPr>
-          <a:xfrm>
-            <a:off x="10755494" y="2637497"/>
-            <a:ext cx="1088760" cy="276999"/>
+          <a:xfrm rot="19357041">
+            <a:off x="6944487" y="5897201"/>
+            <a:ext cx="588623" cy="248400"/>
           </a:xfrm>
           <a:prstGeom prst="rect">
             <a:avLst/>
@@ -3965,23 +3806,22 @@
           </a:bodyPr>
           <a:lstStyle/>
           <a:p>
-            <a:pPr algn="ctr"/>
-            <a:r>
-              <a:rPr lang="en-GB" sz="1200" dirty="0">
+            <a:r>
+              <a:rPr lang="en-GB" sz="1000" dirty="0">
                 <a:latin typeface="Arial" panose="020B0604020202020204" pitchFamily="34" charset="0"/>
                 <a:cs typeface="Arial" panose="020B0604020202020204" pitchFamily="34" charset="0"/>
               </a:rPr>
-              <a:t>Post-typhoon</a:t>
-            </a:r>
-          </a:p>
-        </p:txBody>
-      </p:sp>
-      <p:sp>
-        <p:nvSpPr>
-          <p:cNvPr id="20" name="TextBox 19">
+              <a:t>Nov 01</a:t>
+            </a:r>
+          </a:p>
+        </p:txBody>
+      </p:sp>
+      <p:sp>
+        <p:nvSpPr>
+          <p:cNvPr id="43" name="TextBox 42">
             <a:extLst>
               <a:ext uri="{FF2B5EF4-FFF2-40B4-BE49-F238E27FC236}">
-                <a16:creationId xmlns:a16="http://schemas.microsoft.com/office/drawing/2014/main" id="{F988CB6E-82A9-C860-2884-7D4987E95744}"/>
+                <a16:creationId xmlns:a16="http://schemas.microsoft.com/office/drawing/2014/main" id="{54C6C068-C7F5-D408-4901-00FD674A7475}"/>
               </a:ext>
             </a:extLst>
           </p:cNvPr>
@@ -3990,8 +3830,8 @@
         </p:nvSpPr>
         <p:spPr>
           <a:xfrm>
-            <a:off x="9312168" y="2898682"/>
-            <a:ext cx="2722179" cy="307777"/>
+            <a:off x="658701" y="6165722"/>
+            <a:ext cx="7461363" cy="276999"/>
           </a:xfrm>
           <a:prstGeom prst="rect">
             <a:avLst/>
@@ -4006,21 +3846,21 @@
           <a:p>
             <a:pPr algn="ctr"/>
             <a:r>
-              <a:rPr lang="en-GB" sz="1400" b="1" dirty="0">
+              <a:rPr lang="en-GB" sz="1200" b="1" dirty="0">
                 <a:latin typeface="Arial" panose="020B0604020202020204" pitchFamily="34" charset="0"/>
                 <a:cs typeface="Arial" panose="020B0604020202020204" pitchFamily="34" charset="0"/>
               </a:rPr>
-              <a:t>Time period</a:t>
-            </a:r>
-          </a:p>
-        </p:txBody>
-      </p:sp>
-      <p:sp>
-        <p:nvSpPr>
-          <p:cNvPr id="21" name="TextBox 20">
+              <a:t>Date (2018)</a:t>
+            </a:r>
+          </a:p>
+        </p:txBody>
+      </p:sp>
+      <p:sp>
+        <p:nvSpPr>
+          <p:cNvPr id="44" name="TextBox 43">
             <a:extLst>
               <a:ext uri="{FF2B5EF4-FFF2-40B4-BE49-F238E27FC236}">
-                <a16:creationId xmlns:a16="http://schemas.microsoft.com/office/drawing/2014/main" id="{EAF5A2AD-5D87-49BA-EEC1-43B9EB0EE9B0}"/>
+                <a16:creationId xmlns:a16="http://schemas.microsoft.com/office/drawing/2014/main" id="{C68B1E29-924B-92E5-9C6F-10C14E30DF4A}"/>
               </a:ext>
             </a:extLst>
           </p:cNvPr>
@@ -4028,9 +3868,9 @@
           <p:nvPr/>
         </p:nvSpPr>
         <p:spPr>
-          <a:xfrm rot="19357041">
-            <a:off x="597653" y="2742266"/>
-            <a:ext cx="670376" cy="276999"/>
+          <a:xfrm rot="20240967">
+            <a:off x="8069887" y="5931249"/>
+            <a:ext cx="1221809" cy="246221"/>
           </a:xfrm>
           <a:prstGeom prst="rect">
             <a:avLst/>
@@ -4044,21 +3884,21 @@
           <a:lstStyle/>
           <a:p>
             <a:r>
-              <a:rPr lang="en-GB" sz="1200" dirty="0">
+              <a:rPr lang="en-GB" sz="1000" i="1" dirty="0">
                 <a:latin typeface="Arial" panose="020B0604020202020204" pitchFamily="34" charset="0"/>
                 <a:cs typeface="Arial" panose="020B0604020202020204" pitchFamily="34" charset="0"/>
               </a:rPr>
-              <a:t>Sep 01</a:t>
-            </a:r>
-          </a:p>
-        </p:txBody>
-      </p:sp>
-      <p:sp>
-        <p:nvSpPr>
-          <p:cNvPr id="22" name="TextBox 21">
+              <a:t>C. macrorhynchos</a:t>
+            </a:r>
+          </a:p>
+        </p:txBody>
+      </p:sp>
+      <p:sp>
+        <p:nvSpPr>
+          <p:cNvPr id="46" name="TextBox 45">
             <a:extLst>
               <a:ext uri="{FF2B5EF4-FFF2-40B4-BE49-F238E27FC236}">
-                <a16:creationId xmlns:a16="http://schemas.microsoft.com/office/drawing/2014/main" id="{6DFADEA5-DCA8-FBFF-3A74-7B99024049B4}"/>
+                <a16:creationId xmlns:a16="http://schemas.microsoft.com/office/drawing/2014/main" id="{47F0B59C-5707-58A2-73CE-F9F9944968A2}"/>
               </a:ext>
             </a:extLst>
           </p:cNvPr>
@@ -4066,9 +3906,9 @@
           <p:nvPr/>
         </p:nvSpPr>
         <p:spPr>
-          <a:xfrm rot="19357041">
-            <a:off x="2200482" y="2742267"/>
-            <a:ext cx="670376" cy="276999"/>
+          <a:xfrm>
+            <a:off x="8493435" y="6165722"/>
+            <a:ext cx="2592189" cy="276999"/>
           </a:xfrm>
           <a:prstGeom prst="rect">
             <a:avLst/>
@@ -4076,27 +3916,28 @@
           <a:noFill/>
         </p:spPr>
         <p:txBody>
-          <a:bodyPr wrap="none" rtlCol="0">
+          <a:bodyPr wrap="square" rtlCol="0">
             <a:spAutoFit/>
           </a:bodyPr>
           <a:lstStyle/>
           <a:p>
-            <a:r>
-              <a:rPr lang="en-GB" sz="1200" dirty="0">
+            <a:pPr algn="ctr"/>
+            <a:r>
+              <a:rPr lang="en-GB" sz="1200" b="1" dirty="0">
                 <a:latin typeface="Arial" panose="020B0604020202020204" pitchFamily="34" charset="0"/>
                 <a:cs typeface="Arial" panose="020B0604020202020204" pitchFamily="34" charset="0"/>
               </a:rPr>
-              <a:t>Sep 15</a:t>
-            </a:r>
-          </a:p>
-        </p:txBody>
-      </p:sp>
-      <p:sp>
-        <p:nvSpPr>
-          <p:cNvPr id="23" name="TextBox 22">
+              <a:t>Species</a:t>
+            </a:r>
+          </a:p>
+        </p:txBody>
+      </p:sp>
+      <p:sp>
+        <p:nvSpPr>
+          <p:cNvPr id="50" name="TextBox 49">
             <a:extLst>
               <a:ext uri="{FF2B5EF4-FFF2-40B4-BE49-F238E27FC236}">
-                <a16:creationId xmlns:a16="http://schemas.microsoft.com/office/drawing/2014/main" id="{53C0C0E7-48C5-19BB-DE66-14F0D56C578D}"/>
+                <a16:creationId xmlns:a16="http://schemas.microsoft.com/office/drawing/2014/main" id="{56DA0367-B5B0-739D-82A1-68F0C8C166EE}"/>
               </a:ext>
             </a:extLst>
           </p:cNvPr>
@@ -4104,9 +3945,9 @@
           <p:nvPr/>
         </p:nvSpPr>
         <p:spPr>
-          <a:xfrm rot="19357041">
-            <a:off x="4061078" y="2732533"/>
-            <a:ext cx="638316" cy="276999"/>
+          <a:xfrm rot="20240967">
+            <a:off x="9187318" y="5863559"/>
+            <a:ext cx="800219" cy="246221"/>
           </a:xfrm>
           <a:prstGeom prst="rect">
             <a:avLst/>
@@ -4120,21 +3961,21 @@
           <a:lstStyle/>
           <a:p>
             <a:r>
-              <a:rPr lang="en-GB" sz="1200" dirty="0">
+              <a:rPr lang="en-GB" sz="1000" i="1" dirty="0">
                 <a:latin typeface="Arial" panose="020B0604020202020204" pitchFamily="34" charset="0"/>
                 <a:cs typeface="Arial" panose="020B0604020202020204" pitchFamily="34" charset="0"/>
               </a:rPr>
-              <a:t>Oct 01</a:t>
-            </a:r>
-          </a:p>
-        </p:txBody>
-      </p:sp>
-      <p:sp>
-        <p:nvSpPr>
-          <p:cNvPr id="24" name="TextBox 23">
+              <a:t>H. diphone</a:t>
+            </a:r>
+          </a:p>
+        </p:txBody>
+      </p:sp>
+      <p:sp>
+        <p:nvSpPr>
+          <p:cNvPr id="51" name="TextBox 50">
             <a:extLst>
               <a:ext uri="{FF2B5EF4-FFF2-40B4-BE49-F238E27FC236}">
-                <a16:creationId xmlns:a16="http://schemas.microsoft.com/office/drawing/2014/main" id="{28C4767C-1580-63E4-2352-4C54F65992DA}"/>
+                <a16:creationId xmlns:a16="http://schemas.microsoft.com/office/drawing/2014/main" id="{5040464E-7D3B-E6AA-C4B7-8BB598DCA478}"/>
               </a:ext>
             </a:extLst>
           </p:cNvPr>
@@ -4142,9 +3983,9 @@
           <p:nvPr/>
         </p:nvSpPr>
         <p:spPr>
-          <a:xfrm rot="19357041">
-            <a:off x="5674416" y="2732533"/>
-            <a:ext cx="638316" cy="276999"/>
+          <a:xfrm rot="20240967">
+            <a:off x="10011429" y="5853775"/>
+            <a:ext cx="800219" cy="246221"/>
           </a:xfrm>
           <a:prstGeom prst="rect">
             <a:avLst/>
@@ -4158,21 +3999,21 @@
           <a:lstStyle/>
           <a:p>
             <a:r>
-              <a:rPr lang="en-GB" sz="1200" dirty="0">
+              <a:rPr lang="en-GB" sz="1000" i="1" dirty="0">
                 <a:latin typeface="Arial" panose="020B0604020202020204" pitchFamily="34" charset="0"/>
                 <a:cs typeface="Arial" panose="020B0604020202020204" pitchFamily="34" charset="0"/>
               </a:rPr>
-              <a:t>Oct 15</a:t>
-            </a:r>
-          </a:p>
-        </p:txBody>
-      </p:sp>
-      <p:sp>
-        <p:nvSpPr>
-          <p:cNvPr id="25" name="TextBox 24">
+              <a:t>O. elegans</a:t>
+            </a:r>
+          </a:p>
+        </p:txBody>
+      </p:sp>
+      <p:sp>
+        <p:nvSpPr>
+          <p:cNvPr id="52" name="TextBox 51">
             <a:extLst>
               <a:ext uri="{FF2B5EF4-FFF2-40B4-BE49-F238E27FC236}">
-                <a16:creationId xmlns:a16="http://schemas.microsoft.com/office/drawing/2014/main" id="{EDD7A371-A95A-762F-4C34-9F06B747EEC0}"/>
+                <a16:creationId xmlns:a16="http://schemas.microsoft.com/office/drawing/2014/main" id="{01B89BFF-AF15-0034-5E3D-927CBF4C5BD4}"/>
               </a:ext>
             </a:extLst>
           </p:cNvPr>
@@ -4180,9 +4021,9 @@
           <p:nvPr/>
         </p:nvSpPr>
         <p:spPr>
-          <a:xfrm rot="19357041">
-            <a:off x="7639586" y="2742267"/>
-            <a:ext cx="670376" cy="276999"/>
+          <a:xfrm>
+            <a:off x="655967" y="66037"/>
+            <a:ext cx="436338" cy="307777"/>
           </a:xfrm>
           <a:prstGeom prst="rect">
             <a:avLst/>
@@ -4190,27 +4031,27 @@
           <a:noFill/>
         </p:spPr>
         <p:txBody>
-          <a:bodyPr wrap="none" rtlCol="0">
+          <a:bodyPr wrap="square" rtlCol="0">
             <a:spAutoFit/>
           </a:bodyPr>
           <a:lstStyle/>
           <a:p>
             <a:r>
-              <a:rPr lang="en-GB" sz="1200" dirty="0">
+              <a:rPr lang="en-GB" sz="1400" dirty="0">
                 <a:latin typeface="Arial" panose="020B0604020202020204" pitchFamily="34" charset="0"/>
                 <a:cs typeface="Arial" panose="020B0604020202020204" pitchFamily="34" charset="0"/>
               </a:rPr>
-              <a:t>Nov 01</a:t>
-            </a:r>
-          </a:p>
-        </p:txBody>
-      </p:sp>
-      <p:sp>
-        <p:nvSpPr>
-          <p:cNvPr id="26" name="TextBox 25">
+              <a:t>(a)</a:t>
+            </a:r>
+          </a:p>
+        </p:txBody>
+      </p:sp>
+      <p:sp>
+        <p:nvSpPr>
+          <p:cNvPr id="53" name="TextBox 52">
             <a:extLst>
               <a:ext uri="{FF2B5EF4-FFF2-40B4-BE49-F238E27FC236}">
-                <a16:creationId xmlns:a16="http://schemas.microsoft.com/office/drawing/2014/main" id="{60FD3FE7-F08C-9F49-0957-A7409E5C021F}"/>
+                <a16:creationId xmlns:a16="http://schemas.microsoft.com/office/drawing/2014/main" id="{486FEC28-DF10-6BF7-F20E-44418A0B69E6}"/>
               </a:ext>
             </a:extLst>
           </p:cNvPr>
@@ -4219,8 +4060,8 @@
         </p:nvSpPr>
         <p:spPr>
           <a:xfrm>
-            <a:off x="1067387" y="4070351"/>
-            <a:ext cx="654346" cy="276999"/>
+            <a:off x="655967" y="3030502"/>
+            <a:ext cx="436338" cy="307777"/>
           </a:xfrm>
           <a:prstGeom prst="rect">
             <a:avLst/>
@@ -4228,27 +4069,27 @@
           <a:noFill/>
         </p:spPr>
         <p:txBody>
-          <a:bodyPr wrap="none" rtlCol="0">
+          <a:bodyPr wrap="square" rtlCol="0">
             <a:spAutoFit/>
           </a:bodyPr>
           <a:lstStyle/>
           <a:p>
             <a:r>
-              <a:rPr lang="en-GB" sz="1200" b="1" dirty="0">
+              <a:rPr lang="en-GB" sz="1400" dirty="0">
                 <a:latin typeface="Arial" panose="020B0604020202020204" pitchFamily="34" charset="0"/>
                 <a:cs typeface="Arial" panose="020B0604020202020204" pitchFamily="34" charset="0"/>
               </a:rPr>
-              <a:t>Forest</a:t>
-            </a:r>
-          </a:p>
-        </p:txBody>
-      </p:sp>
-      <p:sp>
-        <p:nvSpPr>
-          <p:cNvPr id="27" name="TextBox 26">
+              <a:t>(b)</a:t>
+            </a:r>
+          </a:p>
+        </p:txBody>
+      </p:sp>
+      <p:sp>
+        <p:nvSpPr>
+          <p:cNvPr id="54" name="TextBox 53">
             <a:extLst>
               <a:ext uri="{FF2B5EF4-FFF2-40B4-BE49-F238E27FC236}">
-                <a16:creationId xmlns:a16="http://schemas.microsoft.com/office/drawing/2014/main" id="{B05C7AC1-B71C-0F22-6088-F6475EA39DC5}"/>
+                <a16:creationId xmlns:a16="http://schemas.microsoft.com/office/drawing/2014/main" id="{94385A8D-B26E-4176-5BF7-4CE3827AB981}"/>
               </a:ext>
             </a:extLst>
           </p:cNvPr>
@@ -4257,8 +4098,8 @@
         </p:nvSpPr>
         <p:spPr>
           <a:xfrm>
-            <a:off x="1067387" y="5215578"/>
-            <a:ext cx="962123" cy="276999"/>
+            <a:off x="8680789" y="1955628"/>
+            <a:ext cx="263214" cy="261610"/>
           </a:xfrm>
           <a:prstGeom prst="rect">
             <a:avLst/>
@@ -4272,21 +4113,21 @@
           <a:lstStyle/>
           <a:p>
             <a:r>
-              <a:rPr lang="en-GB" sz="1200" b="1" dirty="0">
+              <a:rPr lang="en-GB" sz="1050" dirty="0">
                 <a:latin typeface="Arial" panose="020B0604020202020204" pitchFamily="34" charset="0"/>
                 <a:cs typeface="Arial" panose="020B0604020202020204" pitchFamily="34" charset="0"/>
               </a:rPr>
-              <a:t>Developed</a:t>
-            </a:r>
-          </a:p>
-        </p:txBody>
-      </p:sp>
-      <p:sp>
-        <p:nvSpPr>
-          <p:cNvPr id="28" name="TextBox 27">
+              <a:t>a</a:t>
+            </a:r>
+          </a:p>
+        </p:txBody>
+      </p:sp>
+      <p:sp>
+        <p:nvSpPr>
+          <p:cNvPr id="55" name="TextBox 54">
             <a:extLst>
               <a:ext uri="{FF2B5EF4-FFF2-40B4-BE49-F238E27FC236}">
-                <a16:creationId xmlns:a16="http://schemas.microsoft.com/office/drawing/2014/main" id="{008BD4EE-C749-6853-01AD-973DF5F3CC74}"/>
+                <a16:creationId xmlns:a16="http://schemas.microsoft.com/office/drawing/2014/main" id="{4B2C63D9-F567-1684-E043-08758873D7DC}"/>
               </a:ext>
             </a:extLst>
           </p:cNvPr>
@@ -4295,8 +4136,8 @@
         </p:nvSpPr>
         <p:spPr>
           <a:xfrm>
-            <a:off x="714704" y="201502"/>
-            <a:ext cx="436338" cy="338554"/>
+            <a:off x="8925014" y="1964094"/>
+            <a:ext cx="263214" cy="261610"/>
           </a:xfrm>
           <a:prstGeom prst="rect">
             <a:avLst/>
@@ -4310,21 +4151,21 @@
           <a:lstStyle/>
           <a:p>
             <a:r>
-              <a:rPr lang="en-GB" sz="1600" dirty="0">
+              <a:rPr lang="en-GB" sz="1050" dirty="0">
                 <a:latin typeface="Arial" panose="020B0604020202020204" pitchFamily="34" charset="0"/>
                 <a:cs typeface="Arial" panose="020B0604020202020204" pitchFamily="34" charset="0"/>
               </a:rPr>
-              <a:t>(a)</a:t>
-            </a:r>
-          </a:p>
-        </p:txBody>
-      </p:sp>
-      <p:sp>
-        <p:nvSpPr>
-          <p:cNvPr id="29" name="TextBox 28">
+              <a:t>a</a:t>
+            </a:r>
+          </a:p>
+        </p:txBody>
+      </p:sp>
+      <p:sp>
+        <p:nvSpPr>
+          <p:cNvPr id="56" name="TextBox 55">
             <a:extLst>
               <a:ext uri="{FF2B5EF4-FFF2-40B4-BE49-F238E27FC236}">
-                <a16:creationId xmlns:a16="http://schemas.microsoft.com/office/drawing/2014/main" id="{29D3A6E0-654E-1D6C-65AF-82E0D688B6F6}"/>
+                <a16:creationId xmlns:a16="http://schemas.microsoft.com/office/drawing/2014/main" id="{B97F1DF0-86A4-FA86-5062-635250389CE9}"/>
               </a:ext>
             </a:extLst>
           </p:cNvPr>
@@ -4333,8 +4174,8 @@
         </p:nvSpPr>
         <p:spPr>
           <a:xfrm>
-            <a:off x="714704" y="3259102"/>
-            <a:ext cx="436338" cy="338554"/>
+            <a:off x="9452612" y="1817127"/>
+            <a:ext cx="263214" cy="261610"/>
           </a:xfrm>
           <a:prstGeom prst="rect">
             <a:avLst/>
@@ -4348,21 +4189,21 @@
           <a:lstStyle/>
           <a:p>
             <a:r>
-              <a:rPr lang="en-GB" sz="1600" dirty="0">
+              <a:rPr lang="en-GB" sz="1050" dirty="0">
                 <a:latin typeface="Arial" panose="020B0604020202020204" pitchFamily="34" charset="0"/>
                 <a:cs typeface="Arial" panose="020B0604020202020204" pitchFamily="34" charset="0"/>
               </a:rPr>
-              <a:t>(b)</a:t>
-            </a:r>
-          </a:p>
-        </p:txBody>
-      </p:sp>
-      <p:sp>
-        <p:nvSpPr>
-          <p:cNvPr id="30" name="TextBox 29">
+              <a:t>a</a:t>
+            </a:r>
+          </a:p>
+        </p:txBody>
+      </p:sp>
+      <p:sp>
+        <p:nvSpPr>
+          <p:cNvPr id="57" name="TextBox 56">
             <a:extLst>
               <a:ext uri="{FF2B5EF4-FFF2-40B4-BE49-F238E27FC236}">
-                <a16:creationId xmlns:a16="http://schemas.microsoft.com/office/drawing/2014/main" id="{25959602-E34C-AAF9-D984-F367C4BB1184}"/>
+                <a16:creationId xmlns:a16="http://schemas.microsoft.com/office/drawing/2014/main" id="{9ABFC7B3-CC2C-6837-382A-99380CC11D63}"/>
               </a:ext>
             </a:extLst>
           </p:cNvPr>
@@ -4371,8 +4212,8 @@
         </p:nvSpPr>
         <p:spPr>
           <a:xfrm>
-            <a:off x="9937332" y="1498427"/>
-            <a:ext cx="298480" cy="338554"/>
+            <a:off x="9725993" y="894261"/>
+            <a:ext cx="341760" cy="261610"/>
           </a:xfrm>
           <a:prstGeom prst="rect">
             <a:avLst/>
@@ -4386,21 +4227,21 @@
           <a:lstStyle/>
           <a:p>
             <a:r>
-              <a:rPr lang="en-GB" sz="1600" dirty="0">
+              <a:rPr lang="en-GB" sz="1050" dirty="0">
                 <a:latin typeface="Arial" panose="020B0604020202020204" pitchFamily="34" charset="0"/>
                 <a:cs typeface="Arial" panose="020B0604020202020204" pitchFamily="34" charset="0"/>
               </a:rPr>
-              <a:t>a</a:t>
-            </a:r>
-          </a:p>
-        </p:txBody>
-      </p:sp>
-      <p:sp>
-        <p:nvSpPr>
-          <p:cNvPr id="31" name="TextBox 30">
+              <a:t>ab</a:t>
+            </a:r>
+          </a:p>
+        </p:txBody>
+      </p:sp>
+      <p:sp>
+        <p:nvSpPr>
+          <p:cNvPr id="59" name="TextBox 58">
             <a:extLst>
               <a:ext uri="{FF2B5EF4-FFF2-40B4-BE49-F238E27FC236}">
-                <a16:creationId xmlns:a16="http://schemas.microsoft.com/office/drawing/2014/main" id="{E6370053-AE09-10EF-9295-812B864A91DF}"/>
+                <a16:creationId xmlns:a16="http://schemas.microsoft.com/office/drawing/2014/main" id="{528C32D4-6A9C-E355-16F5-A7D1A1D989F9}"/>
               </a:ext>
             </a:extLst>
           </p:cNvPr>
@@ -4409,8 +4250,8 @@
         </p:nvSpPr>
         <p:spPr>
           <a:xfrm>
-            <a:off x="11150634" y="168692"/>
-            <a:ext cx="298480" cy="338554"/>
+            <a:off x="7426486" y="3859868"/>
+            <a:ext cx="863601" cy="246221"/>
           </a:xfrm>
           <a:prstGeom prst="rect">
             <a:avLst/>
@@ -4418,27 +4259,28 @@
           <a:noFill/>
         </p:spPr>
         <p:txBody>
-          <a:bodyPr wrap="none" rtlCol="0">
+          <a:bodyPr wrap="square" rtlCol="0">
             <a:spAutoFit/>
           </a:bodyPr>
           <a:lstStyle/>
           <a:p>
-            <a:r>
-              <a:rPr lang="en-GB" sz="1600" dirty="0">
+            <a:pPr algn="r"/>
+            <a:r>
+              <a:rPr lang="en-GB" sz="1000" i="1" dirty="0">
                 <a:latin typeface="Arial" panose="020B0604020202020204" pitchFamily="34" charset="0"/>
                 <a:cs typeface="Arial" panose="020B0604020202020204" pitchFamily="34" charset="0"/>
               </a:rPr>
-              <a:t>b</a:t>
-            </a:r>
-          </a:p>
-        </p:txBody>
-      </p:sp>
-      <p:sp>
-        <p:nvSpPr>
-          <p:cNvPr id="32" name="TextBox 31">
+              <a:t>H. diphone</a:t>
+            </a:r>
+          </a:p>
+        </p:txBody>
+      </p:sp>
+      <p:sp>
+        <p:nvSpPr>
+          <p:cNvPr id="60" name="TextBox 59">
             <a:extLst>
               <a:ext uri="{FF2B5EF4-FFF2-40B4-BE49-F238E27FC236}">
-                <a16:creationId xmlns:a16="http://schemas.microsoft.com/office/drawing/2014/main" id="{D9A8663B-4634-72DD-1FB0-FE3DAE298A94}"/>
+                <a16:creationId xmlns:a16="http://schemas.microsoft.com/office/drawing/2014/main" id="{D5951C17-4D47-E8B8-4766-58F6DE0FC3B8}"/>
               </a:ext>
             </a:extLst>
           </p:cNvPr>
@@ -4447,8 +4289,8 @@
         </p:nvSpPr>
         <p:spPr>
           <a:xfrm>
-            <a:off x="9726523" y="3911582"/>
-            <a:ext cx="298480" cy="338554"/>
+            <a:off x="7303375" y="4869682"/>
+            <a:ext cx="986711" cy="246221"/>
           </a:xfrm>
           <a:prstGeom prst="rect">
             <a:avLst/>
@@ -4456,27 +4298,28 @@
           <a:noFill/>
         </p:spPr>
         <p:txBody>
-          <a:bodyPr wrap="none" rtlCol="0">
+          <a:bodyPr wrap="square" rtlCol="0">
             <a:spAutoFit/>
           </a:bodyPr>
           <a:lstStyle/>
           <a:p>
-            <a:r>
-              <a:rPr lang="en-GB" sz="1600" dirty="0">
+            <a:pPr algn="r"/>
+            <a:r>
+              <a:rPr lang="en-GB" sz="1000" i="1" dirty="0">
                 <a:latin typeface="Arial" panose="020B0604020202020204" pitchFamily="34" charset="0"/>
                 <a:cs typeface="Arial" panose="020B0604020202020204" pitchFamily="34" charset="0"/>
               </a:rPr>
-              <a:t>a</a:t>
-            </a:r>
-          </a:p>
-        </p:txBody>
-      </p:sp>
-      <p:sp>
-        <p:nvSpPr>
-          <p:cNvPr id="33" name="TextBox 32">
+              <a:t>O. elegans</a:t>
+            </a:r>
+          </a:p>
+        </p:txBody>
+      </p:sp>
+      <p:sp>
+        <p:nvSpPr>
+          <p:cNvPr id="58" name="TextBox 57">
             <a:extLst>
               <a:ext uri="{FF2B5EF4-FFF2-40B4-BE49-F238E27FC236}">
-                <a16:creationId xmlns:a16="http://schemas.microsoft.com/office/drawing/2014/main" id="{47737F4E-C756-C1F1-24F2-CD59E725CA48}"/>
+                <a16:creationId xmlns:a16="http://schemas.microsoft.com/office/drawing/2014/main" id="{1D93B095-AD6A-718A-BCD3-DC4AAA5E8CEB}"/>
               </a:ext>
             </a:extLst>
           </p:cNvPr>
@@ -4485,8 +4328,8 @@
         </p:nvSpPr>
         <p:spPr>
           <a:xfrm>
-            <a:off x="10083283" y="3175140"/>
-            <a:ext cx="298480" cy="338554"/>
+            <a:off x="7068278" y="3160986"/>
+            <a:ext cx="1221809" cy="246221"/>
           </a:xfrm>
           <a:prstGeom prst="rect">
             <a:avLst/>
@@ -4499,22 +4342,23 @@
           </a:bodyPr>
           <a:lstStyle/>
           <a:p>
-            <a:r>
-              <a:rPr lang="en-GB" sz="1600" dirty="0">
+            <a:pPr algn="r"/>
+            <a:r>
+              <a:rPr lang="en-GB" sz="1000" i="1" dirty="0">
                 <a:latin typeface="Arial" panose="020B0604020202020204" pitchFamily="34" charset="0"/>
                 <a:cs typeface="Arial" panose="020B0604020202020204" pitchFamily="34" charset="0"/>
               </a:rPr>
-              <a:t>b</a:t>
-            </a:r>
-          </a:p>
-        </p:txBody>
-      </p:sp>
-      <p:sp>
-        <p:nvSpPr>
-          <p:cNvPr id="34" name="TextBox 33">
+              <a:t>C. macrorhynchos</a:t>
+            </a:r>
+          </a:p>
+        </p:txBody>
+      </p:sp>
+      <p:sp>
+        <p:nvSpPr>
+          <p:cNvPr id="62" name="TextBox 61">
             <a:extLst>
               <a:ext uri="{FF2B5EF4-FFF2-40B4-BE49-F238E27FC236}">
-                <a16:creationId xmlns:a16="http://schemas.microsoft.com/office/drawing/2014/main" id="{649A1BBE-13EC-8A7A-EF46-06D9F157C5C2}"/>
+                <a16:creationId xmlns:a16="http://schemas.microsoft.com/office/drawing/2014/main" id="{760E43C2-2F4A-2C8E-13D6-577EB5185C18}"/>
               </a:ext>
             </a:extLst>
           </p:cNvPr>
@@ -4523,8 +4367,8 @@
         </p:nvSpPr>
         <p:spPr>
           <a:xfrm>
-            <a:off x="10933335" y="4489834"/>
-            <a:ext cx="298480" cy="338554"/>
+            <a:off x="1034307" y="4295174"/>
+            <a:ext cx="575799" cy="246221"/>
           </a:xfrm>
           <a:prstGeom prst="rect">
             <a:avLst/>
@@ -4538,21 +4382,21 @@
           <a:lstStyle/>
           <a:p>
             <a:r>
-              <a:rPr lang="en-GB" sz="1600" dirty="0">
+              <a:rPr lang="en-GB" sz="1000" b="1" dirty="0">
                 <a:latin typeface="Arial" panose="020B0604020202020204" pitchFamily="34" charset="0"/>
                 <a:cs typeface="Arial" panose="020B0604020202020204" pitchFamily="34" charset="0"/>
               </a:rPr>
-              <a:t>c</a:t>
-            </a:r>
-          </a:p>
-        </p:txBody>
-      </p:sp>
-      <p:sp>
-        <p:nvSpPr>
-          <p:cNvPr id="35" name="TextBox 34">
+              <a:t>Forest</a:t>
+            </a:r>
+          </a:p>
+        </p:txBody>
+      </p:sp>
+      <p:sp>
+        <p:nvSpPr>
+          <p:cNvPr id="63" name="TextBox 62">
             <a:extLst>
               <a:ext uri="{FF2B5EF4-FFF2-40B4-BE49-F238E27FC236}">
-                <a16:creationId xmlns:a16="http://schemas.microsoft.com/office/drawing/2014/main" id="{AB438236-282F-86B5-B17D-1D1E1978DF3E}"/>
+                <a16:creationId xmlns:a16="http://schemas.microsoft.com/office/drawing/2014/main" id="{541E683B-4D30-2883-BDB1-BE3AA5F432A2}"/>
               </a:ext>
             </a:extLst>
           </p:cNvPr>
@@ -4561,8 +4405,8 @@
         </p:nvSpPr>
         <p:spPr>
           <a:xfrm>
-            <a:off x="11367580" y="4134255"/>
-            <a:ext cx="401072" cy="338554"/>
+            <a:off x="1034598" y="4711386"/>
+            <a:ext cx="830677" cy="246221"/>
           </a:xfrm>
           <a:prstGeom prst="rect">
             <a:avLst/>
@@ -4576,49 +4420,920 @@
           <a:lstStyle/>
           <a:p>
             <a:r>
-              <a:rPr lang="en-GB" sz="1600" dirty="0">
+              <a:rPr lang="en-GB" sz="1000" b="1" dirty="0">
                 <a:latin typeface="Arial" panose="020B0604020202020204" pitchFamily="34" charset="0"/>
                 <a:cs typeface="Arial" panose="020B0604020202020204" pitchFamily="34" charset="0"/>
               </a:rPr>
-              <a:t>ac</a:t>
-            </a:r>
-          </a:p>
-        </p:txBody>
-      </p:sp>
-      <p:pic>
-        <p:nvPicPr>
-          <p:cNvPr id="3" name="Picture 2">
+              <a:t>Developed</a:t>
+            </a:r>
+          </a:p>
+        </p:txBody>
+      </p:sp>
+      <p:sp>
+        <p:nvSpPr>
+          <p:cNvPr id="64" name="TextBox 63">
             <a:extLst>
               <a:ext uri="{FF2B5EF4-FFF2-40B4-BE49-F238E27FC236}">
-                <a16:creationId xmlns:a16="http://schemas.microsoft.com/office/drawing/2014/main" id="{D1717B55-5BD6-E02C-6A6D-5421A4724D3C}"/>
+                <a16:creationId xmlns:a16="http://schemas.microsoft.com/office/drawing/2014/main" id="{C34A6056-EFE5-ED94-C481-98906B5D17B4}"/>
               </a:ext>
             </a:extLst>
           </p:cNvPr>
-          <p:cNvPicPr>
-            <a:picLocks noChangeAspect="1"/>
-          </p:cNvPicPr>
+          <p:cNvSpPr txBox="1"/>
           <p:nvPr/>
-        </p:nvPicPr>
-        <p:blipFill>
-          <a:blip r:embed="rId5"/>
-          <a:stretch>
-            <a:fillRect/>
-          </a:stretch>
-        </p:blipFill>
-        <p:spPr>
-          <a:xfrm>
-            <a:off x="1877650" y="426373"/>
-            <a:ext cx="8525112" cy="5115066"/>
+        </p:nvSpPr>
+        <p:spPr>
+          <a:xfrm>
+            <a:off x="10200520" y="245324"/>
+            <a:ext cx="263214" cy="261610"/>
           </a:xfrm>
           <a:prstGeom prst="rect">
             <a:avLst/>
           </a:prstGeom>
-        </p:spPr>
-      </p:pic>
+          <a:noFill/>
+        </p:spPr>
+        <p:txBody>
+          <a:bodyPr wrap="none" rtlCol="0">
+            <a:spAutoFit/>
+          </a:bodyPr>
+          <a:lstStyle/>
+          <a:p>
+            <a:r>
+              <a:rPr lang="en-GB" sz="1050" dirty="0">
+                <a:latin typeface="Arial" panose="020B0604020202020204" pitchFamily="34" charset="0"/>
+                <a:cs typeface="Arial" panose="020B0604020202020204" pitchFamily="34" charset="0"/>
+              </a:rPr>
+              <a:t>b</a:t>
+            </a:r>
+          </a:p>
+        </p:txBody>
+      </p:sp>
+      <p:sp>
+        <p:nvSpPr>
+          <p:cNvPr id="65" name="TextBox 64">
+            <a:extLst>
+              <a:ext uri="{FF2B5EF4-FFF2-40B4-BE49-F238E27FC236}">
+                <a16:creationId xmlns:a16="http://schemas.microsoft.com/office/drawing/2014/main" id="{BF4BC394-8308-F024-44F5-009E6D407E89}"/>
+              </a:ext>
+            </a:extLst>
+          </p:cNvPr>
+          <p:cNvSpPr txBox="1"/>
+          <p:nvPr/>
+        </p:nvSpPr>
+        <p:spPr>
+          <a:xfrm>
+            <a:off x="10487080" y="245324"/>
+            <a:ext cx="263214" cy="261610"/>
+          </a:xfrm>
+          <a:prstGeom prst="rect">
+            <a:avLst/>
+          </a:prstGeom>
+          <a:noFill/>
+        </p:spPr>
+        <p:txBody>
+          <a:bodyPr wrap="none" rtlCol="0">
+            <a:spAutoFit/>
+          </a:bodyPr>
+          <a:lstStyle/>
+          <a:p>
+            <a:r>
+              <a:rPr lang="en-GB" sz="1050" dirty="0">
+                <a:latin typeface="Arial" panose="020B0604020202020204" pitchFamily="34" charset="0"/>
+                <a:cs typeface="Arial" panose="020B0604020202020204" pitchFamily="34" charset="0"/>
+              </a:rPr>
+              <a:t>b</a:t>
+            </a:r>
+          </a:p>
+        </p:txBody>
+      </p:sp>
+      <p:sp>
+        <p:nvSpPr>
+          <p:cNvPr id="66" name="TextBox 65">
+            <a:extLst>
+              <a:ext uri="{FF2B5EF4-FFF2-40B4-BE49-F238E27FC236}">
+                <a16:creationId xmlns:a16="http://schemas.microsoft.com/office/drawing/2014/main" id="{BCCBE778-1F95-F463-595F-7001EBB5C8F2}"/>
+              </a:ext>
+            </a:extLst>
+          </p:cNvPr>
+          <p:cNvSpPr txBox="1"/>
+          <p:nvPr/>
+        </p:nvSpPr>
+        <p:spPr>
+          <a:xfrm>
+            <a:off x="8601187" y="4325547"/>
+            <a:ext cx="341760" cy="261610"/>
+          </a:xfrm>
+          <a:prstGeom prst="rect">
+            <a:avLst/>
+          </a:prstGeom>
+          <a:noFill/>
+        </p:spPr>
+        <p:txBody>
+          <a:bodyPr wrap="none" rtlCol="0">
+            <a:spAutoFit/>
+          </a:bodyPr>
+          <a:lstStyle/>
+          <a:p>
+            <a:r>
+              <a:rPr lang="en-GB" sz="1050" dirty="0">
+                <a:latin typeface="Arial" panose="020B0604020202020204" pitchFamily="34" charset="0"/>
+                <a:cs typeface="Arial" panose="020B0604020202020204" pitchFamily="34" charset="0"/>
+              </a:rPr>
+              <a:t>ab</a:t>
+            </a:r>
+          </a:p>
+        </p:txBody>
+      </p:sp>
+      <p:sp>
+        <p:nvSpPr>
+          <p:cNvPr id="67" name="TextBox 66">
+            <a:extLst>
+              <a:ext uri="{FF2B5EF4-FFF2-40B4-BE49-F238E27FC236}">
+                <a16:creationId xmlns:a16="http://schemas.microsoft.com/office/drawing/2014/main" id="{D8573864-048E-16EB-894C-38D48A9B28E1}"/>
+              </a:ext>
+            </a:extLst>
+          </p:cNvPr>
+          <p:cNvSpPr txBox="1"/>
+          <p:nvPr/>
+        </p:nvSpPr>
+        <p:spPr>
+          <a:xfrm>
+            <a:off x="8687336" y="5491511"/>
+            <a:ext cx="341760" cy="261610"/>
+          </a:xfrm>
+          <a:prstGeom prst="rect">
+            <a:avLst/>
+          </a:prstGeom>
+          <a:noFill/>
+        </p:spPr>
+        <p:txBody>
+          <a:bodyPr wrap="none" rtlCol="0">
+            <a:spAutoFit/>
+          </a:bodyPr>
+          <a:lstStyle/>
+          <a:p>
+            <a:r>
+              <a:rPr lang="en-GB" sz="1050" dirty="0">
+                <a:latin typeface="Arial" panose="020B0604020202020204" pitchFamily="34" charset="0"/>
+                <a:cs typeface="Arial" panose="020B0604020202020204" pitchFamily="34" charset="0"/>
+              </a:rPr>
+              <a:t>ab</a:t>
+            </a:r>
+          </a:p>
+        </p:txBody>
+      </p:sp>
+      <p:sp>
+        <p:nvSpPr>
+          <p:cNvPr id="68" name="TextBox 67">
+            <a:extLst>
+              <a:ext uri="{FF2B5EF4-FFF2-40B4-BE49-F238E27FC236}">
+                <a16:creationId xmlns:a16="http://schemas.microsoft.com/office/drawing/2014/main" id="{96F5DB19-4F5A-85B1-FE0E-2CACFE1A7A13}"/>
+              </a:ext>
+            </a:extLst>
+          </p:cNvPr>
+          <p:cNvSpPr txBox="1"/>
+          <p:nvPr/>
+        </p:nvSpPr>
+        <p:spPr>
+          <a:xfrm>
+            <a:off x="8889141" y="4709526"/>
+            <a:ext cx="341760" cy="261610"/>
+          </a:xfrm>
+          <a:prstGeom prst="rect">
+            <a:avLst/>
+          </a:prstGeom>
+          <a:noFill/>
+        </p:spPr>
+        <p:txBody>
+          <a:bodyPr wrap="none" rtlCol="0">
+            <a:spAutoFit/>
+          </a:bodyPr>
+          <a:lstStyle/>
+          <a:p>
+            <a:r>
+              <a:rPr lang="en-GB" sz="1050" dirty="0">
+                <a:latin typeface="Arial" panose="020B0604020202020204" pitchFamily="34" charset="0"/>
+                <a:cs typeface="Arial" panose="020B0604020202020204" pitchFamily="34" charset="0"/>
+              </a:rPr>
+              <a:t>ab</a:t>
+            </a:r>
+          </a:p>
+        </p:txBody>
+      </p:sp>
+      <p:sp>
+        <p:nvSpPr>
+          <p:cNvPr id="69" name="TextBox 68">
+            <a:extLst>
+              <a:ext uri="{FF2B5EF4-FFF2-40B4-BE49-F238E27FC236}">
+                <a16:creationId xmlns:a16="http://schemas.microsoft.com/office/drawing/2014/main" id="{6F865572-C0D8-4815-9AFD-82881DE117D4}"/>
+              </a:ext>
+            </a:extLst>
+          </p:cNvPr>
+          <p:cNvSpPr txBox="1"/>
+          <p:nvPr/>
+        </p:nvSpPr>
+        <p:spPr>
+          <a:xfrm>
+            <a:off x="9035945" y="4074341"/>
+            <a:ext cx="341760" cy="261610"/>
+          </a:xfrm>
+          <a:prstGeom prst="rect">
+            <a:avLst/>
+          </a:prstGeom>
+          <a:noFill/>
+        </p:spPr>
+        <p:txBody>
+          <a:bodyPr wrap="none" rtlCol="0">
+            <a:spAutoFit/>
+          </a:bodyPr>
+          <a:lstStyle/>
+          <a:p>
+            <a:r>
+              <a:rPr lang="en-GB" sz="1050" dirty="0">
+                <a:latin typeface="Arial" panose="020B0604020202020204" pitchFamily="34" charset="0"/>
+                <a:cs typeface="Arial" panose="020B0604020202020204" pitchFamily="34" charset="0"/>
+              </a:rPr>
+              <a:t>ab</a:t>
+            </a:r>
+          </a:p>
+        </p:txBody>
+      </p:sp>
+      <p:sp>
+        <p:nvSpPr>
+          <p:cNvPr id="70" name="TextBox 69">
+            <a:extLst>
+              <a:ext uri="{FF2B5EF4-FFF2-40B4-BE49-F238E27FC236}">
+                <a16:creationId xmlns:a16="http://schemas.microsoft.com/office/drawing/2014/main" id="{C588F3E3-21EE-6239-0554-B8C02FBCFA22}"/>
+              </a:ext>
+            </a:extLst>
+          </p:cNvPr>
+          <p:cNvSpPr txBox="1"/>
+          <p:nvPr/>
+        </p:nvSpPr>
+        <p:spPr>
+          <a:xfrm>
+            <a:off x="9325788" y="3759241"/>
+            <a:ext cx="341760" cy="261610"/>
+          </a:xfrm>
+          <a:prstGeom prst="rect">
+            <a:avLst/>
+          </a:prstGeom>
+          <a:noFill/>
+        </p:spPr>
+        <p:txBody>
+          <a:bodyPr wrap="none" rtlCol="0">
+            <a:spAutoFit/>
+          </a:bodyPr>
+          <a:lstStyle/>
+          <a:p>
+            <a:r>
+              <a:rPr lang="en-GB" sz="1050" dirty="0">
+                <a:latin typeface="Arial" panose="020B0604020202020204" pitchFamily="34" charset="0"/>
+                <a:cs typeface="Arial" panose="020B0604020202020204" pitchFamily="34" charset="0"/>
+              </a:rPr>
+              <a:t>ab</a:t>
+            </a:r>
+          </a:p>
+        </p:txBody>
+      </p:sp>
+      <p:sp>
+        <p:nvSpPr>
+          <p:cNvPr id="71" name="TextBox 70">
+            <a:extLst>
+              <a:ext uri="{FF2B5EF4-FFF2-40B4-BE49-F238E27FC236}">
+                <a16:creationId xmlns:a16="http://schemas.microsoft.com/office/drawing/2014/main" id="{78AB6949-ECA8-3D5E-04FB-0F3366965CB9}"/>
+              </a:ext>
+            </a:extLst>
+          </p:cNvPr>
+          <p:cNvSpPr txBox="1"/>
+          <p:nvPr/>
+        </p:nvSpPr>
+        <p:spPr>
+          <a:xfrm>
+            <a:off x="9657920" y="5425212"/>
+            <a:ext cx="263214" cy="261610"/>
+          </a:xfrm>
+          <a:prstGeom prst="rect">
+            <a:avLst/>
+          </a:prstGeom>
+          <a:noFill/>
+        </p:spPr>
+        <p:txBody>
+          <a:bodyPr wrap="none" rtlCol="0">
+            <a:spAutoFit/>
+          </a:bodyPr>
+          <a:lstStyle/>
+          <a:p>
+            <a:r>
+              <a:rPr lang="en-GB" sz="1050" dirty="0">
+                <a:latin typeface="Arial" panose="020B0604020202020204" pitchFamily="34" charset="0"/>
+                <a:cs typeface="Arial" panose="020B0604020202020204" pitchFamily="34" charset="0"/>
+              </a:rPr>
+              <a:t>a</a:t>
+            </a:r>
+          </a:p>
+        </p:txBody>
+      </p:sp>
+      <p:sp>
+        <p:nvSpPr>
+          <p:cNvPr id="72" name="TextBox 71">
+            <a:extLst>
+              <a:ext uri="{FF2B5EF4-FFF2-40B4-BE49-F238E27FC236}">
+                <a16:creationId xmlns:a16="http://schemas.microsoft.com/office/drawing/2014/main" id="{53CB1346-B70B-0FE2-79D7-BD8E87EEF0A8}"/>
+              </a:ext>
+            </a:extLst>
+          </p:cNvPr>
+          <p:cNvSpPr txBox="1"/>
+          <p:nvPr/>
+        </p:nvSpPr>
+        <p:spPr>
+          <a:xfrm>
+            <a:off x="10188959" y="3438760"/>
+            <a:ext cx="263214" cy="261610"/>
+          </a:xfrm>
+          <a:prstGeom prst="rect">
+            <a:avLst/>
+          </a:prstGeom>
+          <a:noFill/>
+        </p:spPr>
+        <p:txBody>
+          <a:bodyPr wrap="none" rtlCol="0">
+            <a:spAutoFit/>
+          </a:bodyPr>
+          <a:lstStyle/>
+          <a:p>
+            <a:r>
+              <a:rPr lang="en-GB" sz="1050" dirty="0">
+                <a:latin typeface="Arial" panose="020B0604020202020204" pitchFamily="34" charset="0"/>
+                <a:cs typeface="Arial" panose="020B0604020202020204" pitchFamily="34" charset="0"/>
+              </a:rPr>
+              <a:t>b</a:t>
+            </a:r>
+          </a:p>
+        </p:txBody>
+      </p:sp>
+      <p:sp>
+        <p:nvSpPr>
+          <p:cNvPr id="73" name="TextBox 72">
+            <a:extLst>
+              <a:ext uri="{FF2B5EF4-FFF2-40B4-BE49-F238E27FC236}">
+                <a16:creationId xmlns:a16="http://schemas.microsoft.com/office/drawing/2014/main" id="{43E9DC41-C66A-BA34-89B8-14481CE8136B}"/>
+              </a:ext>
+            </a:extLst>
+          </p:cNvPr>
+          <p:cNvSpPr txBox="1"/>
+          <p:nvPr/>
+        </p:nvSpPr>
+        <p:spPr>
+          <a:xfrm>
+            <a:off x="10355473" y="3456128"/>
+            <a:ext cx="263214" cy="261610"/>
+          </a:xfrm>
+          <a:prstGeom prst="rect">
+            <a:avLst/>
+          </a:prstGeom>
+          <a:noFill/>
+        </p:spPr>
+        <p:txBody>
+          <a:bodyPr wrap="none" rtlCol="0">
+            <a:spAutoFit/>
+          </a:bodyPr>
+          <a:lstStyle/>
+          <a:p>
+            <a:r>
+              <a:rPr lang="en-GB" sz="1050" dirty="0">
+                <a:latin typeface="Arial" panose="020B0604020202020204" pitchFamily="34" charset="0"/>
+                <a:cs typeface="Arial" panose="020B0604020202020204" pitchFamily="34" charset="0"/>
+              </a:rPr>
+              <a:t>b</a:t>
+            </a:r>
+          </a:p>
+        </p:txBody>
+      </p:sp>
+      <p:sp>
+        <p:nvSpPr>
+          <p:cNvPr id="74" name="TextBox 73">
+            <a:extLst>
+              <a:ext uri="{FF2B5EF4-FFF2-40B4-BE49-F238E27FC236}">
+                <a16:creationId xmlns:a16="http://schemas.microsoft.com/office/drawing/2014/main" id="{53D958CD-C190-DDE9-E445-9A743D923D3E}"/>
+              </a:ext>
+            </a:extLst>
+          </p:cNvPr>
+          <p:cNvSpPr txBox="1"/>
+          <p:nvPr/>
+        </p:nvSpPr>
+        <p:spPr>
+          <a:xfrm>
+            <a:off x="9468532" y="5056710"/>
+            <a:ext cx="341760" cy="261610"/>
+          </a:xfrm>
+          <a:prstGeom prst="rect">
+            <a:avLst/>
+          </a:prstGeom>
+          <a:noFill/>
+        </p:spPr>
+        <p:txBody>
+          <a:bodyPr wrap="none" rtlCol="0">
+            <a:spAutoFit/>
+          </a:bodyPr>
+          <a:lstStyle/>
+          <a:p>
+            <a:r>
+              <a:rPr lang="en-GB" sz="1050" dirty="0">
+                <a:latin typeface="Arial" panose="020B0604020202020204" pitchFamily="34" charset="0"/>
+                <a:cs typeface="Arial" panose="020B0604020202020204" pitchFamily="34" charset="0"/>
+              </a:rPr>
+              <a:t>ab</a:t>
+            </a:r>
+          </a:p>
+        </p:txBody>
+      </p:sp>
+      <p:sp>
+        <p:nvSpPr>
+          <p:cNvPr id="75" name="TextBox 74">
+            <a:extLst>
+              <a:ext uri="{FF2B5EF4-FFF2-40B4-BE49-F238E27FC236}">
+                <a16:creationId xmlns:a16="http://schemas.microsoft.com/office/drawing/2014/main" id="{1277D130-AF44-D20D-310D-E519BED4E251}"/>
+              </a:ext>
+            </a:extLst>
+          </p:cNvPr>
+          <p:cNvSpPr txBox="1"/>
+          <p:nvPr/>
+        </p:nvSpPr>
+        <p:spPr>
+          <a:xfrm>
+            <a:off x="9818759" y="3178096"/>
+            <a:ext cx="341760" cy="261610"/>
+          </a:xfrm>
+          <a:prstGeom prst="rect">
+            <a:avLst/>
+          </a:prstGeom>
+          <a:noFill/>
+        </p:spPr>
+        <p:txBody>
+          <a:bodyPr wrap="none" rtlCol="0">
+            <a:spAutoFit/>
+          </a:bodyPr>
+          <a:lstStyle/>
+          <a:p>
+            <a:r>
+              <a:rPr lang="en-GB" sz="1050" dirty="0">
+                <a:latin typeface="Arial" panose="020B0604020202020204" pitchFamily="34" charset="0"/>
+                <a:cs typeface="Arial" panose="020B0604020202020204" pitchFamily="34" charset="0"/>
+              </a:rPr>
+              <a:t>ab</a:t>
+            </a:r>
+          </a:p>
+        </p:txBody>
+      </p:sp>
+      <p:sp>
+        <p:nvSpPr>
+          <p:cNvPr id="76" name="TextBox 75">
+            <a:extLst>
+              <a:ext uri="{FF2B5EF4-FFF2-40B4-BE49-F238E27FC236}">
+                <a16:creationId xmlns:a16="http://schemas.microsoft.com/office/drawing/2014/main" id="{A2FBD7CC-9A41-10D9-846E-F5CE7B697D8F}"/>
+              </a:ext>
+            </a:extLst>
+          </p:cNvPr>
+          <p:cNvSpPr txBox="1"/>
+          <p:nvPr/>
+        </p:nvSpPr>
+        <p:spPr>
+          <a:xfrm>
+            <a:off x="885169" y="2574381"/>
+            <a:ext cx="863601" cy="246221"/>
+          </a:xfrm>
+          <a:prstGeom prst="rect">
+            <a:avLst/>
+          </a:prstGeom>
+          <a:noFill/>
+        </p:spPr>
+        <p:txBody>
+          <a:bodyPr wrap="square" rtlCol="0">
+            <a:spAutoFit/>
+          </a:bodyPr>
+          <a:lstStyle/>
+          <a:p>
+            <a:r>
+              <a:rPr lang="en-GB" sz="1000" b="1" i="1" dirty="0">
+                <a:latin typeface="Arial" panose="020B0604020202020204" pitchFamily="34" charset="0"/>
+                <a:cs typeface="Arial" panose="020B0604020202020204" pitchFamily="34" charset="0"/>
+              </a:rPr>
+              <a:t>H. diphone</a:t>
+            </a:r>
+          </a:p>
+        </p:txBody>
+      </p:sp>
+      <p:sp>
+        <p:nvSpPr>
+          <p:cNvPr id="77" name="TextBox 76">
+            <a:extLst>
+              <a:ext uri="{FF2B5EF4-FFF2-40B4-BE49-F238E27FC236}">
+                <a16:creationId xmlns:a16="http://schemas.microsoft.com/office/drawing/2014/main" id="{D80C1A33-3E32-37DD-E85F-B95107E779B4}"/>
+              </a:ext>
+            </a:extLst>
+          </p:cNvPr>
+          <p:cNvSpPr txBox="1"/>
+          <p:nvPr/>
+        </p:nvSpPr>
+        <p:spPr>
+          <a:xfrm>
+            <a:off x="885169" y="386168"/>
+            <a:ext cx="986711" cy="246221"/>
+          </a:xfrm>
+          <a:prstGeom prst="rect">
+            <a:avLst/>
+          </a:prstGeom>
+          <a:noFill/>
+        </p:spPr>
+        <p:txBody>
+          <a:bodyPr wrap="square" rtlCol="0">
+            <a:spAutoFit/>
+          </a:bodyPr>
+          <a:lstStyle/>
+          <a:p>
+            <a:r>
+              <a:rPr lang="en-GB" sz="1000" b="1" i="1" dirty="0">
+                <a:latin typeface="Arial" panose="020B0604020202020204" pitchFamily="34" charset="0"/>
+                <a:cs typeface="Arial" panose="020B0604020202020204" pitchFamily="34" charset="0"/>
+              </a:rPr>
+              <a:t>O. elegans</a:t>
+            </a:r>
+          </a:p>
+        </p:txBody>
+      </p:sp>
+      <p:sp>
+        <p:nvSpPr>
+          <p:cNvPr id="78" name="TextBox 77">
+            <a:extLst>
+              <a:ext uri="{FF2B5EF4-FFF2-40B4-BE49-F238E27FC236}">
+                <a16:creationId xmlns:a16="http://schemas.microsoft.com/office/drawing/2014/main" id="{0D3ECC99-0AC2-9071-A0FA-61AA625ACE7F}"/>
+              </a:ext>
+            </a:extLst>
+          </p:cNvPr>
+          <p:cNvSpPr txBox="1"/>
+          <p:nvPr/>
+        </p:nvSpPr>
+        <p:spPr>
+          <a:xfrm>
+            <a:off x="885169" y="1894776"/>
+            <a:ext cx="1306768" cy="246221"/>
+          </a:xfrm>
+          <a:prstGeom prst="rect">
+            <a:avLst/>
+          </a:prstGeom>
+          <a:noFill/>
+        </p:spPr>
+        <p:txBody>
+          <a:bodyPr wrap="none" rtlCol="0">
+            <a:spAutoFit/>
+          </a:bodyPr>
+          <a:lstStyle/>
+          <a:p>
+            <a:r>
+              <a:rPr lang="en-GB" sz="1000" b="1" i="1" dirty="0">
+                <a:latin typeface="Arial" panose="020B0604020202020204" pitchFamily="34" charset="0"/>
+                <a:cs typeface="Arial" panose="020B0604020202020204" pitchFamily="34" charset="0"/>
+              </a:rPr>
+              <a:t>C. macrorhynchos</a:t>
+            </a:r>
+          </a:p>
+        </p:txBody>
+      </p:sp>
+      <p:grpSp>
+        <p:nvGrpSpPr>
+          <p:cNvPr id="87" name="Group 86">
+            <a:extLst>
+              <a:ext uri="{FF2B5EF4-FFF2-40B4-BE49-F238E27FC236}">
+                <a16:creationId xmlns:a16="http://schemas.microsoft.com/office/drawing/2014/main" id="{25AC4724-E8B4-3CF4-F3DD-B69415F34A7E}"/>
+              </a:ext>
+            </a:extLst>
+          </p:cNvPr>
+          <p:cNvGrpSpPr/>
+          <p:nvPr/>
+        </p:nvGrpSpPr>
+        <p:grpSpPr>
+          <a:xfrm>
+            <a:off x="8601187" y="188057"/>
+            <a:ext cx="1217569" cy="499610"/>
+            <a:chOff x="8601187" y="188057"/>
+            <a:chExt cx="1217569" cy="499610"/>
+          </a:xfrm>
+        </p:grpSpPr>
+        <p:sp>
+          <p:nvSpPr>
+            <p:cNvPr id="79" name="Oval 78">
+              <a:extLst>
+                <a:ext uri="{FF2B5EF4-FFF2-40B4-BE49-F238E27FC236}">
+                  <a16:creationId xmlns:a16="http://schemas.microsoft.com/office/drawing/2014/main" id="{D7668A4A-F1FA-0D1E-643B-A2BB7EAD973D}"/>
+                </a:ext>
+              </a:extLst>
+            </p:cNvPr>
+            <p:cNvSpPr/>
+            <p:nvPr/>
+          </p:nvSpPr>
+          <p:spPr>
+            <a:xfrm>
+              <a:off x="8664488" y="278589"/>
+              <a:ext cx="72000" cy="72000"/>
+            </a:xfrm>
+            <a:prstGeom prst="ellipse">
+              <a:avLst/>
+            </a:prstGeom>
+            <a:solidFill>
+              <a:schemeClr val="tx1"/>
+            </a:solidFill>
+            <a:ln>
+              <a:noFill/>
+            </a:ln>
+          </p:spPr>
+          <p:style>
+            <a:lnRef idx="2">
+              <a:schemeClr val="accent1">
+                <a:shade val="50000"/>
+              </a:schemeClr>
+            </a:lnRef>
+            <a:fillRef idx="1">
+              <a:schemeClr val="accent1"/>
+            </a:fillRef>
+            <a:effectRef idx="0">
+              <a:schemeClr val="accent1"/>
+            </a:effectRef>
+            <a:fontRef idx="minor">
+              <a:schemeClr val="lt1"/>
+            </a:fontRef>
+          </p:style>
+          <p:txBody>
+            <a:bodyPr rtlCol="0" anchor="ctr"/>
+            <a:lstStyle/>
+            <a:p>
+              <a:pPr algn="ctr"/>
+              <a:endParaRPr lang="en-GB"/>
+            </a:p>
+          </p:txBody>
+        </p:sp>
+        <p:sp>
+          <p:nvSpPr>
+            <p:cNvPr id="80" name="Triangle 79">
+              <a:extLst>
+                <a:ext uri="{FF2B5EF4-FFF2-40B4-BE49-F238E27FC236}">
+                  <a16:creationId xmlns:a16="http://schemas.microsoft.com/office/drawing/2014/main" id="{88DF832F-16AF-AA21-0B0F-F4B67D41951B}"/>
+                </a:ext>
+              </a:extLst>
+            </p:cNvPr>
+            <p:cNvSpPr/>
+            <p:nvPr/>
+          </p:nvSpPr>
+          <p:spPr>
+            <a:xfrm>
+              <a:off x="8664488" y="511491"/>
+              <a:ext cx="72000" cy="72000"/>
+            </a:xfrm>
+            <a:prstGeom prst="triangle">
+              <a:avLst/>
+            </a:prstGeom>
+            <a:solidFill>
+              <a:schemeClr val="tx1"/>
+            </a:solidFill>
+            <a:ln>
+              <a:noFill/>
+            </a:ln>
+          </p:spPr>
+          <p:style>
+            <a:lnRef idx="2">
+              <a:schemeClr val="accent1">
+                <a:shade val="50000"/>
+              </a:schemeClr>
+            </a:lnRef>
+            <a:fillRef idx="1">
+              <a:schemeClr val="accent1"/>
+            </a:fillRef>
+            <a:effectRef idx="0">
+              <a:schemeClr val="accent1"/>
+            </a:effectRef>
+            <a:fontRef idx="minor">
+              <a:schemeClr val="lt1"/>
+            </a:fontRef>
+          </p:style>
+          <p:txBody>
+            <a:bodyPr rtlCol="0" anchor="ctr"/>
+            <a:lstStyle/>
+            <a:p>
+              <a:pPr algn="ctr"/>
+              <a:endParaRPr lang="en-GB"/>
+            </a:p>
+          </p:txBody>
+        </p:sp>
+        <p:cxnSp>
+          <p:nvCxnSpPr>
+            <p:cNvPr id="82" name="Straight Connector 81">
+              <a:extLst>
+                <a:ext uri="{FF2B5EF4-FFF2-40B4-BE49-F238E27FC236}">
+                  <a16:creationId xmlns:a16="http://schemas.microsoft.com/office/drawing/2014/main" id="{81541088-D928-1E7F-7E74-7B206A3C4D97}"/>
+                </a:ext>
+              </a:extLst>
+            </p:cNvPr>
+            <p:cNvCxnSpPr/>
+            <p:nvPr/>
+          </p:nvCxnSpPr>
+          <p:spPr>
+            <a:xfrm>
+              <a:off x="8700488" y="224589"/>
+              <a:ext cx="0" cy="180000"/>
+            </a:xfrm>
+            <a:prstGeom prst="line">
+              <a:avLst/>
+            </a:prstGeom>
+            <a:ln w="12700">
+              <a:solidFill>
+                <a:schemeClr val="tx1"/>
+              </a:solidFill>
+            </a:ln>
+          </p:spPr>
+          <p:style>
+            <a:lnRef idx="1">
+              <a:schemeClr val="accent1"/>
+            </a:lnRef>
+            <a:fillRef idx="0">
+              <a:schemeClr val="accent1"/>
+            </a:fillRef>
+            <a:effectRef idx="0">
+              <a:schemeClr val="accent1"/>
+            </a:effectRef>
+            <a:fontRef idx="minor">
+              <a:schemeClr val="tx1"/>
+            </a:fontRef>
+          </p:style>
+        </p:cxnSp>
+        <p:cxnSp>
+          <p:nvCxnSpPr>
+            <p:cNvPr id="83" name="Straight Connector 82">
+              <a:extLst>
+                <a:ext uri="{FF2B5EF4-FFF2-40B4-BE49-F238E27FC236}">
+                  <a16:creationId xmlns:a16="http://schemas.microsoft.com/office/drawing/2014/main" id="{FB65E9B9-5DC1-6F89-9CD8-4FDB4EA43B9F}"/>
+                </a:ext>
+              </a:extLst>
+            </p:cNvPr>
+            <p:cNvCxnSpPr/>
+            <p:nvPr/>
+          </p:nvCxnSpPr>
+          <p:spPr>
+            <a:xfrm>
+              <a:off x="8697211" y="469064"/>
+              <a:ext cx="0" cy="180000"/>
+            </a:xfrm>
+            <a:prstGeom prst="line">
+              <a:avLst/>
+            </a:prstGeom>
+            <a:ln w="12700">
+              <a:solidFill>
+                <a:schemeClr val="tx1"/>
+              </a:solidFill>
+            </a:ln>
+          </p:spPr>
+          <p:style>
+            <a:lnRef idx="1">
+              <a:schemeClr val="accent1"/>
+            </a:lnRef>
+            <a:fillRef idx="0">
+              <a:schemeClr val="accent1"/>
+            </a:fillRef>
+            <a:effectRef idx="0">
+              <a:schemeClr val="accent1"/>
+            </a:effectRef>
+            <a:fontRef idx="minor">
+              <a:schemeClr val="tx1"/>
+            </a:fontRef>
+          </p:style>
+        </p:cxnSp>
+        <p:sp>
+          <p:nvSpPr>
+            <p:cNvPr id="84" name="TextBox 83">
+              <a:extLst>
+                <a:ext uri="{FF2B5EF4-FFF2-40B4-BE49-F238E27FC236}">
+                  <a16:creationId xmlns:a16="http://schemas.microsoft.com/office/drawing/2014/main" id="{88FB1496-5CE9-1E4C-AA4B-06F8B93D13A6}"/>
+                </a:ext>
+              </a:extLst>
+            </p:cNvPr>
+            <p:cNvSpPr txBox="1"/>
+            <p:nvPr/>
+          </p:nvSpPr>
+          <p:spPr>
+            <a:xfrm>
+              <a:off x="8772487" y="188057"/>
+              <a:ext cx="977091" cy="246221"/>
+            </a:xfrm>
+            <a:prstGeom prst="rect">
+              <a:avLst/>
+            </a:prstGeom>
+            <a:noFill/>
+          </p:spPr>
+          <p:txBody>
+            <a:bodyPr wrap="square" rtlCol="0">
+              <a:spAutoFit/>
+            </a:bodyPr>
+            <a:lstStyle/>
+            <a:p>
+              <a:r>
+                <a:rPr lang="en-GB" sz="1000" b="1" dirty="0">
+                  <a:latin typeface="Arial" panose="020B0604020202020204" pitchFamily="34" charset="0"/>
+                  <a:cs typeface="Arial" panose="020B0604020202020204" pitchFamily="34" charset="0"/>
+                </a:rPr>
+                <a:t>Pre-typhoon</a:t>
+              </a:r>
+            </a:p>
+          </p:txBody>
+        </p:sp>
+        <p:sp>
+          <p:nvSpPr>
+            <p:cNvPr id="85" name="TextBox 84">
+              <a:extLst>
+                <a:ext uri="{FF2B5EF4-FFF2-40B4-BE49-F238E27FC236}">
+                  <a16:creationId xmlns:a16="http://schemas.microsoft.com/office/drawing/2014/main" id="{96B150EE-5E54-C462-DA24-B65CA264EB80}"/>
+                </a:ext>
+              </a:extLst>
+            </p:cNvPr>
+            <p:cNvSpPr txBox="1"/>
+            <p:nvPr/>
+          </p:nvSpPr>
+          <p:spPr>
+            <a:xfrm>
+              <a:off x="8793236" y="433495"/>
+              <a:ext cx="1025520" cy="246221"/>
+            </a:xfrm>
+            <a:prstGeom prst="rect">
+              <a:avLst/>
+            </a:prstGeom>
+            <a:noFill/>
+          </p:spPr>
+          <p:txBody>
+            <a:bodyPr wrap="square" rtlCol="0">
+              <a:spAutoFit/>
+            </a:bodyPr>
+            <a:lstStyle/>
+            <a:p>
+              <a:r>
+                <a:rPr lang="en-GB" sz="1000" b="1" dirty="0">
+                  <a:latin typeface="Arial" panose="020B0604020202020204" pitchFamily="34" charset="0"/>
+                  <a:cs typeface="Arial" panose="020B0604020202020204" pitchFamily="34" charset="0"/>
+                </a:rPr>
+                <a:t>Post-typhoon</a:t>
+              </a:r>
+            </a:p>
+          </p:txBody>
+        </p:sp>
+        <p:sp>
+          <p:nvSpPr>
+            <p:cNvPr id="86" name="Rectangle 85">
+              <a:extLst>
+                <a:ext uri="{FF2B5EF4-FFF2-40B4-BE49-F238E27FC236}">
+                  <a16:creationId xmlns:a16="http://schemas.microsoft.com/office/drawing/2014/main" id="{183B7F7E-937A-AF11-C0DD-FDAE6856A86F}"/>
+                </a:ext>
+              </a:extLst>
+            </p:cNvPr>
+            <p:cNvSpPr/>
+            <p:nvPr/>
+          </p:nvSpPr>
+          <p:spPr>
+            <a:xfrm>
+              <a:off x="8601187" y="188057"/>
+              <a:ext cx="1148391" cy="499610"/>
+            </a:xfrm>
+            <a:prstGeom prst="rect">
+              <a:avLst/>
+            </a:prstGeom>
+            <a:noFill/>
+            <a:ln w="6350"/>
+          </p:spPr>
+          <p:style>
+            <a:lnRef idx="2">
+              <a:schemeClr val="accent1">
+                <a:shade val="50000"/>
+              </a:schemeClr>
+            </a:lnRef>
+            <a:fillRef idx="1">
+              <a:schemeClr val="accent1"/>
+            </a:fillRef>
+            <a:effectRef idx="0">
+              <a:schemeClr val="accent1"/>
+            </a:effectRef>
+            <a:fontRef idx="minor">
+              <a:schemeClr val="lt1"/>
+            </a:fontRef>
+          </p:style>
+          <p:txBody>
+            <a:bodyPr rtlCol="0" anchor="ctr"/>
+            <a:lstStyle/>
+            <a:p>
+              <a:pPr algn="ctr"/>
+              <a:endParaRPr lang="en-GB"/>
+            </a:p>
+          </p:txBody>
+        </p:sp>
+      </p:grpSp>
     </p:spTree>
     <p:extLst>
       <p:ext uri="{BB962C8B-B14F-4D97-AF65-F5344CB8AC3E}">
-        <p14:creationId xmlns:p14="http://schemas.microsoft.com/office/powerpoint/2010/main" val="1887293638"/>
+        <p14:creationId xmlns:p14="http://schemas.microsoft.com/office/powerpoint/2010/main" val="1207046786"/>
       </p:ext>
     </p:extLst>
   </p:cSld>
